--- a/strings-presentation.pptx
+++ b/strings-presentation.pptx
@@ -133,7 +133,7 @@
           <p:cNvPr id="2" name="Title 1">
             <a:extLst>
               <a:ext uri="{FF2B5EF4-FFF2-40B4-BE49-F238E27FC236}">
-                <a16:creationId xmlns:a16="http://schemas.microsoft.com/office/drawing/2014/main" id="{C6B350BD-B26C-55D2-90A5-9E8B57843E57}"/>
+                <a16:creationId xmlns:a16="http://schemas.microsoft.com/office/drawing/2014/main" id="{4400615E-8BAB-CD70-DBE4-7A043B5AA7E3}"/>
               </a:ext>
             </a:extLst>
           </p:cNvPr>
@@ -171,7 +171,7 @@
           <p:cNvPr id="3" name="Subtitle 2">
             <a:extLst>
               <a:ext uri="{FF2B5EF4-FFF2-40B4-BE49-F238E27FC236}">
-                <a16:creationId xmlns:a16="http://schemas.microsoft.com/office/drawing/2014/main" id="{E0BA63C1-007E-0001-06BA-D4A1376E5E4C}"/>
+                <a16:creationId xmlns:a16="http://schemas.microsoft.com/office/drawing/2014/main" id="{85267D08-3302-9B81-08E2-3D90BA2F1BD6}"/>
               </a:ext>
             </a:extLst>
           </p:cNvPr>
@@ -242,7 +242,7 @@
           <p:cNvPr id="4" name="Date Placeholder 3">
             <a:extLst>
               <a:ext uri="{FF2B5EF4-FFF2-40B4-BE49-F238E27FC236}">
-                <a16:creationId xmlns:a16="http://schemas.microsoft.com/office/drawing/2014/main" id="{8FDC1A2E-C386-1704-64A9-F63C9C0B3245}"/>
+                <a16:creationId xmlns:a16="http://schemas.microsoft.com/office/drawing/2014/main" id="{19660F6F-956C-1801-7F97-38910853E137}"/>
               </a:ext>
             </a:extLst>
           </p:cNvPr>
@@ -258,7 +258,7 @@
           <a:bodyPr/>
           <a:lstStyle/>
           <a:p>
-            <a:fld id="{88AB2608-B12B-4974-8250-1FE2659E0DBA}" type="datetimeFigureOut">
+            <a:fld id="{506FB252-8E34-4C85-8EF7-16D8590CAE4B}" type="datetimeFigureOut">
               <a:rPr lang="en-IN" smtClean="0"/>
               <a:t>03-04-2025</a:t>
             </a:fld>
@@ -271,7 +271,7 @@
           <p:cNvPr id="5" name="Footer Placeholder 4">
             <a:extLst>
               <a:ext uri="{FF2B5EF4-FFF2-40B4-BE49-F238E27FC236}">
-                <a16:creationId xmlns:a16="http://schemas.microsoft.com/office/drawing/2014/main" id="{0AF82207-8975-F722-E423-BA35C7AEF86A}"/>
+                <a16:creationId xmlns:a16="http://schemas.microsoft.com/office/drawing/2014/main" id="{402E82DA-E988-BF69-6320-D6A9DF0408B6}"/>
               </a:ext>
             </a:extLst>
           </p:cNvPr>
@@ -296,7 +296,7 @@
           <p:cNvPr id="6" name="Slide Number Placeholder 5">
             <a:extLst>
               <a:ext uri="{FF2B5EF4-FFF2-40B4-BE49-F238E27FC236}">
-                <a16:creationId xmlns:a16="http://schemas.microsoft.com/office/drawing/2014/main" id="{CFAED5C9-F60D-8EB8-FE1E-A6BB8E21E4D2}"/>
+                <a16:creationId xmlns:a16="http://schemas.microsoft.com/office/drawing/2014/main" id="{F1283BBB-C86B-F567-2BDE-268D17955A76}"/>
               </a:ext>
             </a:extLst>
           </p:cNvPr>
@@ -312,7 +312,7 @@
           <a:bodyPr/>
           <a:lstStyle/>
           <a:p>
-            <a:fld id="{102D2DDF-912C-47FD-926E-45DF627A18CE}" type="slidenum">
+            <a:fld id="{950C697C-1D9C-43BA-BF73-ADE38DB686DA}" type="slidenum">
               <a:rPr lang="en-IN" smtClean="0"/>
               <a:t>‹#›</a:t>
             </a:fld>
@@ -323,7 +323,7 @@
     </p:spTree>
     <p:extLst>
       <p:ext uri="{BB962C8B-B14F-4D97-AF65-F5344CB8AC3E}">
-        <p14:creationId xmlns:p14="http://schemas.microsoft.com/office/powerpoint/2010/main" val="1069590672"/>
+        <p14:creationId xmlns:p14="http://schemas.microsoft.com/office/powerpoint/2010/main" val="3266091450"/>
       </p:ext>
     </p:extLst>
   </p:cSld>
@@ -355,7 +355,7 @@
           <p:cNvPr id="2" name="Title 1">
             <a:extLst>
               <a:ext uri="{FF2B5EF4-FFF2-40B4-BE49-F238E27FC236}">
-                <a16:creationId xmlns:a16="http://schemas.microsoft.com/office/drawing/2014/main" id="{BBD4400B-A283-CAD0-D50A-3DDC1CCF1400}"/>
+                <a16:creationId xmlns:a16="http://schemas.microsoft.com/office/drawing/2014/main" id="{94873FC8-D57B-BD54-DEF1-02CB630E8656}"/>
               </a:ext>
             </a:extLst>
           </p:cNvPr>
@@ -384,7 +384,7 @@
           <p:cNvPr id="3" name="Vertical Text Placeholder 2">
             <a:extLst>
               <a:ext uri="{FF2B5EF4-FFF2-40B4-BE49-F238E27FC236}">
-                <a16:creationId xmlns:a16="http://schemas.microsoft.com/office/drawing/2014/main" id="{687F07B1-DECB-9B87-7C4A-0D7970EBDEC0}"/>
+                <a16:creationId xmlns:a16="http://schemas.microsoft.com/office/drawing/2014/main" id="{F3C491A9-349C-BC1D-6B0A-05934425E1C1}"/>
               </a:ext>
             </a:extLst>
           </p:cNvPr>
@@ -442,7 +442,7 @@
           <p:cNvPr id="4" name="Date Placeholder 3">
             <a:extLst>
               <a:ext uri="{FF2B5EF4-FFF2-40B4-BE49-F238E27FC236}">
-                <a16:creationId xmlns:a16="http://schemas.microsoft.com/office/drawing/2014/main" id="{4E760D2A-BB86-3F89-E2C8-2B0D84610A91}"/>
+                <a16:creationId xmlns:a16="http://schemas.microsoft.com/office/drawing/2014/main" id="{895E555E-0F67-90A9-90FF-0D6B28E6FD46}"/>
               </a:ext>
             </a:extLst>
           </p:cNvPr>
@@ -458,7 +458,7 @@
           <a:bodyPr/>
           <a:lstStyle/>
           <a:p>
-            <a:fld id="{88AB2608-B12B-4974-8250-1FE2659E0DBA}" type="datetimeFigureOut">
+            <a:fld id="{506FB252-8E34-4C85-8EF7-16D8590CAE4B}" type="datetimeFigureOut">
               <a:rPr lang="en-IN" smtClean="0"/>
               <a:t>03-04-2025</a:t>
             </a:fld>
@@ -471,7 +471,7 @@
           <p:cNvPr id="5" name="Footer Placeholder 4">
             <a:extLst>
               <a:ext uri="{FF2B5EF4-FFF2-40B4-BE49-F238E27FC236}">
-                <a16:creationId xmlns:a16="http://schemas.microsoft.com/office/drawing/2014/main" id="{04027B94-24DF-DDC4-D5A7-031D9506EC66}"/>
+                <a16:creationId xmlns:a16="http://schemas.microsoft.com/office/drawing/2014/main" id="{F5B96FFD-6D7F-CAE2-349C-8F7AF7E6B4F3}"/>
               </a:ext>
             </a:extLst>
           </p:cNvPr>
@@ -496,7 +496,7 @@
           <p:cNvPr id="6" name="Slide Number Placeholder 5">
             <a:extLst>
               <a:ext uri="{FF2B5EF4-FFF2-40B4-BE49-F238E27FC236}">
-                <a16:creationId xmlns:a16="http://schemas.microsoft.com/office/drawing/2014/main" id="{226EDB30-0010-D330-A51C-EC2754A5B267}"/>
+                <a16:creationId xmlns:a16="http://schemas.microsoft.com/office/drawing/2014/main" id="{67451F65-9BAE-40C3-E9ED-2263A1353348}"/>
               </a:ext>
             </a:extLst>
           </p:cNvPr>
@@ -512,7 +512,7 @@
           <a:bodyPr/>
           <a:lstStyle/>
           <a:p>
-            <a:fld id="{102D2DDF-912C-47FD-926E-45DF627A18CE}" type="slidenum">
+            <a:fld id="{950C697C-1D9C-43BA-BF73-ADE38DB686DA}" type="slidenum">
               <a:rPr lang="en-IN" smtClean="0"/>
               <a:t>‹#›</a:t>
             </a:fld>
@@ -523,7 +523,7 @@
     </p:spTree>
     <p:extLst>
       <p:ext uri="{BB962C8B-B14F-4D97-AF65-F5344CB8AC3E}">
-        <p14:creationId xmlns:p14="http://schemas.microsoft.com/office/powerpoint/2010/main" val="2644307523"/>
+        <p14:creationId xmlns:p14="http://schemas.microsoft.com/office/powerpoint/2010/main" val="187034806"/>
       </p:ext>
     </p:extLst>
   </p:cSld>
@@ -555,7 +555,7 @@
           <p:cNvPr id="2" name="Vertical Title 1">
             <a:extLst>
               <a:ext uri="{FF2B5EF4-FFF2-40B4-BE49-F238E27FC236}">
-                <a16:creationId xmlns:a16="http://schemas.microsoft.com/office/drawing/2014/main" id="{6EBC2EF0-DC45-E0AD-2C44-6907725005BA}"/>
+                <a16:creationId xmlns:a16="http://schemas.microsoft.com/office/drawing/2014/main" id="{3FE96AA7-DF78-3F12-1D91-4DA81913A672}"/>
               </a:ext>
             </a:extLst>
           </p:cNvPr>
@@ -589,7 +589,7 @@
           <p:cNvPr id="3" name="Vertical Text Placeholder 2">
             <a:extLst>
               <a:ext uri="{FF2B5EF4-FFF2-40B4-BE49-F238E27FC236}">
-                <a16:creationId xmlns:a16="http://schemas.microsoft.com/office/drawing/2014/main" id="{81093A49-D833-54A2-C1E0-15A04B0A3A32}"/>
+                <a16:creationId xmlns:a16="http://schemas.microsoft.com/office/drawing/2014/main" id="{21964C96-38E0-372C-72CA-8A3B545B7FEE}"/>
               </a:ext>
             </a:extLst>
           </p:cNvPr>
@@ -652,7 +652,7 @@
           <p:cNvPr id="4" name="Date Placeholder 3">
             <a:extLst>
               <a:ext uri="{FF2B5EF4-FFF2-40B4-BE49-F238E27FC236}">
-                <a16:creationId xmlns:a16="http://schemas.microsoft.com/office/drawing/2014/main" id="{EAB3E907-4C81-8239-FCC2-CA1EDCBF20C7}"/>
+                <a16:creationId xmlns:a16="http://schemas.microsoft.com/office/drawing/2014/main" id="{182C5856-7C59-B78F-EE28-FC46E4B8E797}"/>
               </a:ext>
             </a:extLst>
           </p:cNvPr>
@@ -668,7 +668,7 @@
           <a:bodyPr/>
           <a:lstStyle/>
           <a:p>
-            <a:fld id="{88AB2608-B12B-4974-8250-1FE2659E0DBA}" type="datetimeFigureOut">
+            <a:fld id="{506FB252-8E34-4C85-8EF7-16D8590CAE4B}" type="datetimeFigureOut">
               <a:rPr lang="en-IN" smtClean="0"/>
               <a:t>03-04-2025</a:t>
             </a:fld>
@@ -681,7 +681,7 @@
           <p:cNvPr id="5" name="Footer Placeholder 4">
             <a:extLst>
               <a:ext uri="{FF2B5EF4-FFF2-40B4-BE49-F238E27FC236}">
-                <a16:creationId xmlns:a16="http://schemas.microsoft.com/office/drawing/2014/main" id="{EB159B25-4B27-DFF7-DBA8-7F3A85200A5F}"/>
+                <a16:creationId xmlns:a16="http://schemas.microsoft.com/office/drawing/2014/main" id="{ED078A38-C196-B53A-44D5-3AC52DE5E23D}"/>
               </a:ext>
             </a:extLst>
           </p:cNvPr>
@@ -706,7 +706,7 @@
           <p:cNvPr id="6" name="Slide Number Placeholder 5">
             <a:extLst>
               <a:ext uri="{FF2B5EF4-FFF2-40B4-BE49-F238E27FC236}">
-                <a16:creationId xmlns:a16="http://schemas.microsoft.com/office/drawing/2014/main" id="{A0325781-8A87-8C50-EF1C-A483CA507AD0}"/>
+                <a16:creationId xmlns:a16="http://schemas.microsoft.com/office/drawing/2014/main" id="{CF153897-C1AA-BD23-7E51-302124C9D3EB}"/>
               </a:ext>
             </a:extLst>
           </p:cNvPr>
@@ -722,7 +722,7 @@
           <a:bodyPr/>
           <a:lstStyle/>
           <a:p>
-            <a:fld id="{102D2DDF-912C-47FD-926E-45DF627A18CE}" type="slidenum">
+            <a:fld id="{950C697C-1D9C-43BA-BF73-ADE38DB686DA}" type="slidenum">
               <a:rPr lang="en-IN" smtClean="0"/>
               <a:t>‹#›</a:t>
             </a:fld>
@@ -733,7 +733,7 @@
     </p:spTree>
     <p:extLst>
       <p:ext uri="{BB962C8B-B14F-4D97-AF65-F5344CB8AC3E}">
-        <p14:creationId xmlns:p14="http://schemas.microsoft.com/office/powerpoint/2010/main" val="1128409294"/>
+        <p14:creationId xmlns:p14="http://schemas.microsoft.com/office/powerpoint/2010/main" val="4181592301"/>
       </p:ext>
     </p:extLst>
   </p:cSld>
@@ -765,7 +765,7 @@
           <p:cNvPr id="2" name="Title 1">
             <a:extLst>
               <a:ext uri="{FF2B5EF4-FFF2-40B4-BE49-F238E27FC236}">
-                <a16:creationId xmlns:a16="http://schemas.microsoft.com/office/drawing/2014/main" id="{0F7CACCC-4866-15E1-B050-CD30DFC20C79}"/>
+                <a16:creationId xmlns:a16="http://schemas.microsoft.com/office/drawing/2014/main" id="{3E0418B1-BCC9-C66C-5D41-CE5E881648FE}"/>
               </a:ext>
             </a:extLst>
           </p:cNvPr>
@@ -794,7 +794,7 @@
           <p:cNvPr id="3" name="SmartArt Placeholder 2">
             <a:extLst>
               <a:ext uri="{FF2B5EF4-FFF2-40B4-BE49-F238E27FC236}">
-                <a16:creationId xmlns:a16="http://schemas.microsoft.com/office/drawing/2014/main" id="{EB686433-08D0-C022-80A3-8414C588A234}"/>
+                <a16:creationId xmlns:a16="http://schemas.microsoft.com/office/drawing/2014/main" id="{265778FA-8A27-F71C-CA9E-C885EC28B539}"/>
               </a:ext>
             </a:extLst>
           </p:cNvPr>
@@ -819,7 +819,7 @@
           <p:cNvPr id="4" name="Date Placeholder 3">
             <a:extLst>
               <a:ext uri="{FF2B5EF4-FFF2-40B4-BE49-F238E27FC236}">
-                <a16:creationId xmlns:a16="http://schemas.microsoft.com/office/drawing/2014/main" id="{21074C9F-BBCA-CBF6-08FE-3A39E082C87C}"/>
+                <a16:creationId xmlns:a16="http://schemas.microsoft.com/office/drawing/2014/main" id="{8219AD0C-9FA9-B682-A4C6-58D4E04B00D9}"/>
               </a:ext>
             </a:extLst>
           </p:cNvPr>
@@ -835,7 +835,7 @@
           <a:bodyPr/>
           <a:lstStyle/>
           <a:p>
-            <a:fld id="{88AB2608-B12B-4974-8250-1FE2659E0DBA}" type="datetimeFigureOut">
+            <a:fld id="{506FB252-8E34-4C85-8EF7-16D8590CAE4B}" type="datetimeFigureOut">
               <a:rPr lang="en-IN" smtClean="0"/>
               <a:t>03-04-2025</a:t>
             </a:fld>
@@ -848,7 +848,7 @@
           <p:cNvPr id="5" name="Footer Placeholder 4">
             <a:extLst>
               <a:ext uri="{FF2B5EF4-FFF2-40B4-BE49-F238E27FC236}">
-                <a16:creationId xmlns:a16="http://schemas.microsoft.com/office/drawing/2014/main" id="{B685FD06-F950-653C-9D07-DDBE2362AC6D}"/>
+                <a16:creationId xmlns:a16="http://schemas.microsoft.com/office/drawing/2014/main" id="{19B8B469-3B3E-45A1-E2E4-E14B45AF4FBD}"/>
               </a:ext>
             </a:extLst>
           </p:cNvPr>
@@ -873,7 +873,7 @@
           <p:cNvPr id="6" name="Slide Number Placeholder 5">
             <a:extLst>
               <a:ext uri="{FF2B5EF4-FFF2-40B4-BE49-F238E27FC236}">
-                <a16:creationId xmlns:a16="http://schemas.microsoft.com/office/drawing/2014/main" id="{D3701500-6195-BA5C-1137-3576AF81D4E9}"/>
+                <a16:creationId xmlns:a16="http://schemas.microsoft.com/office/drawing/2014/main" id="{6384B629-8BEF-12BC-92D4-A4DE88A04AF0}"/>
               </a:ext>
             </a:extLst>
           </p:cNvPr>
@@ -889,7 +889,7 @@
           <a:bodyPr/>
           <a:lstStyle/>
           <a:p>
-            <a:fld id="{102D2DDF-912C-47FD-926E-45DF627A18CE}" type="slidenum">
+            <a:fld id="{950C697C-1D9C-43BA-BF73-ADE38DB686DA}" type="slidenum">
               <a:rPr lang="en-IN" smtClean="0"/>
               <a:t>‹#›</a:t>
             </a:fld>
@@ -900,7 +900,7 @@
     </p:spTree>
     <p:extLst>
       <p:ext uri="{BB962C8B-B14F-4D97-AF65-F5344CB8AC3E}">
-        <p14:creationId xmlns:p14="http://schemas.microsoft.com/office/powerpoint/2010/main" val="3747256244"/>
+        <p14:creationId xmlns:p14="http://schemas.microsoft.com/office/powerpoint/2010/main" val="4272049319"/>
       </p:ext>
     </p:extLst>
   </p:cSld>
@@ -932,7 +932,7 @@
           <p:cNvPr id="2" name="Title 1">
             <a:extLst>
               <a:ext uri="{FF2B5EF4-FFF2-40B4-BE49-F238E27FC236}">
-                <a16:creationId xmlns:a16="http://schemas.microsoft.com/office/drawing/2014/main" id="{2CEF4651-51A4-887C-6E07-6EA7D85281A2}"/>
+                <a16:creationId xmlns:a16="http://schemas.microsoft.com/office/drawing/2014/main" id="{6CB535BD-1D0A-8036-D831-7883547C956B}"/>
               </a:ext>
             </a:extLst>
           </p:cNvPr>
@@ -961,7 +961,7 @@
           <p:cNvPr id="3" name="Content Placeholder 2">
             <a:extLst>
               <a:ext uri="{FF2B5EF4-FFF2-40B4-BE49-F238E27FC236}">
-                <a16:creationId xmlns:a16="http://schemas.microsoft.com/office/drawing/2014/main" id="{9B141451-9FD5-A6B0-1C0F-35833F358002}"/>
+                <a16:creationId xmlns:a16="http://schemas.microsoft.com/office/drawing/2014/main" id="{0BE667B1-F46E-620B-A792-4FB3FD8617A5}"/>
               </a:ext>
             </a:extLst>
           </p:cNvPr>
@@ -1019,7 +1019,7 @@
           <p:cNvPr id="4" name="Date Placeholder 3">
             <a:extLst>
               <a:ext uri="{FF2B5EF4-FFF2-40B4-BE49-F238E27FC236}">
-                <a16:creationId xmlns:a16="http://schemas.microsoft.com/office/drawing/2014/main" id="{17F85E83-B341-AB4D-A2BA-C9A3CD33124A}"/>
+                <a16:creationId xmlns:a16="http://schemas.microsoft.com/office/drawing/2014/main" id="{DD3F2D82-4013-49D8-2BEA-535289DF2BB3}"/>
               </a:ext>
             </a:extLst>
           </p:cNvPr>
@@ -1035,7 +1035,7 @@
           <a:bodyPr/>
           <a:lstStyle/>
           <a:p>
-            <a:fld id="{88AB2608-B12B-4974-8250-1FE2659E0DBA}" type="datetimeFigureOut">
+            <a:fld id="{506FB252-8E34-4C85-8EF7-16D8590CAE4B}" type="datetimeFigureOut">
               <a:rPr lang="en-IN" smtClean="0"/>
               <a:t>03-04-2025</a:t>
             </a:fld>
@@ -1048,7 +1048,7 @@
           <p:cNvPr id="5" name="Footer Placeholder 4">
             <a:extLst>
               <a:ext uri="{FF2B5EF4-FFF2-40B4-BE49-F238E27FC236}">
-                <a16:creationId xmlns:a16="http://schemas.microsoft.com/office/drawing/2014/main" id="{DF07EF19-6F72-290A-B74D-BBCE599A419C}"/>
+                <a16:creationId xmlns:a16="http://schemas.microsoft.com/office/drawing/2014/main" id="{D8238D0C-6711-390B-F1DC-FC8D92190C15}"/>
               </a:ext>
             </a:extLst>
           </p:cNvPr>
@@ -1073,7 +1073,7 @@
           <p:cNvPr id="6" name="Slide Number Placeholder 5">
             <a:extLst>
               <a:ext uri="{FF2B5EF4-FFF2-40B4-BE49-F238E27FC236}">
-                <a16:creationId xmlns:a16="http://schemas.microsoft.com/office/drawing/2014/main" id="{5C8B916D-A8E1-0F99-36D9-5B3A1D888256}"/>
+                <a16:creationId xmlns:a16="http://schemas.microsoft.com/office/drawing/2014/main" id="{C81A60FD-49F3-8864-AE27-3BE2AAA19E38}"/>
               </a:ext>
             </a:extLst>
           </p:cNvPr>
@@ -1089,7 +1089,7 @@
           <a:bodyPr/>
           <a:lstStyle/>
           <a:p>
-            <a:fld id="{102D2DDF-912C-47FD-926E-45DF627A18CE}" type="slidenum">
+            <a:fld id="{950C697C-1D9C-43BA-BF73-ADE38DB686DA}" type="slidenum">
               <a:rPr lang="en-IN" smtClean="0"/>
               <a:t>‹#›</a:t>
             </a:fld>
@@ -1100,7 +1100,7 @@
     </p:spTree>
     <p:extLst>
       <p:ext uri="{BB962C8B-B14F-4D97-AF65-F5344CB8AC3E}">
-        <p14:creationId xmlns:p14="http://schemas.microsoft.com/office/powerpoint/2010/main" val="1849695693"/>
+        <p14:creationId xmlns:p14="http://schemas.microsoft.com/office/powerpoint/2010/main" val="3768264115"/>
       </p:ext>
     </p:extLst>
   </p:cSld>
@@ -1132,7 +1132,7 @@
           <p:cNvPr id="2" name="Title 1">
             <a:extLst>
               <a:ext uri="{FF2B5EF4-FFF2-40B4-BE49-F238E27FC236}">
-                <a16:creationId xmlns:a16="http://schemas.microsoft.com/office/drawing/2014/main" id="{2051C8B3-B40F-AA55-A16B-9B6DD6830382}"/>
+                <a16:creationId xmlns:a16="http://schemas.microsoft.com/office/drawing/2014/main" id="{4933FD66-E55D-F9BC-10DD-E340269B89F1}"/>
               </a:ext>
             </a:extLst>
           </p:cNvPr>
@@ -1170,7 +1170,7 @@
           <p:cNvPr id="3" name="Text Placeholder 2">
             <a:extLst>
               <a:ext uri="{FF2B5EF4-FFF2-40B4-BE49-F238E27FC236}">
-                <a16:creationId xmlns:a16="http://schemas.microsoft.com/office/drawing/2014/main" id="{E84D937E-FBA2-9F82-87B5-E12041D9E439}"/>
+                <a16:creationId xmlns:a16="http://schemas.microsoft.com/office/drawing/2014/main" id="{E5820019-90CF-2D6B-CC07-C8768BBE74D8}"/>
               </a:ext>
             </a:extLst>
           </p:cNvPr>
@@ -1295,7 +1295,7 @@
           <p:cNvPr id="4" name="Date Placeholder 3">
             <a:extLst>
               <a:ext uri="{FF2B5EF4-FFF2-40B4-BE49-F238E27FC236}">
-                <a16:creationId xmlns:a16="http://schemas.microsoft.com/office/drawing/2014/main" id="{86DE20EA-538C-B6EE-50B4-C4BFA2C5BB20}"/>
+                <a16:creationId xmlns:a16="http://schemas.microsoft.com/office/drawing/2014/main" id="{F9F84B07-D78F-FCC0-9F7D-C081BDA6E722}"/>
               </a:ext>
             </a:extLst>
           </p:cNvPr>
@@ -1311,7 +1311,7 @@
           <a:bodyPr/>
           <a:lstStyle/>
           <a:p>
-            <a:fld id="{88AB2608-B12B-4974-8250-1FE2659E0DBA}" type="datetimeFigureOut">
+            <a:fld id="{506FB252-8E34-4C85-8EF7-16D8590CAE4B}" type="datetimeFigureOut">
               <a:rPr lang="en-IN" smtClean="0"/>
               <a:t>03-04-2025</a:t>
             </a:fld>
@@ -1324,7 +1324,7 @@
           <p:cNvPr id="5" name="Footer Placeholder 4">
             <a:extLst>
               <a:ext uri="{FF2B5EF4-FFF2-40B4-BE49-F238E27FC236}">
-                <a16:creationId xmlns:a16="http://schemas.microsoft.com/office/drawing/2014/main" id="{3493612F-F23D-4684-430E-861E79B81E44}"/>
+                <a16:creationId xmlns:a16="http://schemas.microsoft.com/office/drawing/2014/main" id="{CA536A27-3652-3E60-109E-A4B814611BA9}"/>
               </a:ext>
             </a:extLst>
           </p:cNvPr>
@@ -1349,7 +1349,7 @@
           <p:cNvPr id="6" name="Slide Number Placeholder 5">
             <a:extLst>
               <a:ext uri="{FF2B5EF4-FFF2-40B4-BE49-F238E27FC236}">
-                <a16:creationId xmlns:a16="http://schemas.microsoft.com/office/drawing/2014/main" id="{05C44C18-6D56-3EEF-8146-84DF37856F64}"/>
+                <a16:creationId xmlns:a16="http://schemas.microsoft.com/office/drawing/2014/main" id="{A20E24AE-DC36-CE6D-1C14-FF2AFA5CD73F}"/>
               </a:ext>
             </a:extLst>
           </p:cNvPr>
@@ -1365,7 +1365,7 @@
           <a:bodyPr/>
           <a:lstStyle/>
           <a:p>
-            <a:fld id="{102D2DDF-912C-47FD-926E-45DF627A18CE}" type="slidenum">
+            <a:fld id="{950C697C-1D9C-43BA-BF73-ADE38DB686DA}" type="slidenum">
               <a:rPr lang="en-IN" smtClean="0"/>
               <a:t>‹#›</a:t>
             </a:fld>
@@ -1376,7 +1376,7 @@
     </p:spTree>
     <p:extLst>
       <p:ext uri="{BB962C8B-B14F-4D97-AF65-F5344CB8AC3E}">
-        <p14:creationId xmlns:p14="http://schemas.microsoft.com/office/powerpoint/2010/main" val="4246192922"/>
+        <p14:creationId xmlns:p14="http://schemas.microsoft.com/office/powerpoint/2010/main" val="413346825"/>
       </p:ext>
     </p:extLst>
   </p:cSld>
@@ -1408,7 +1408,7 @@
           <p:cNvPr id="2" name="Title 1">
             <a:extLst>
               <a:ext uri="{FF2B5EF4-FFF2-40B4-BE49-F238E27FC236}">
-                <a16:creationId xmlns:a16="http://schemas.microsoft.com/office/drawing/2014/main" id="{8C308974-3FE1-0652-9062-A99BBBF708AC}"/>
+                <a16:creationId xmlns:a16="http://schemas.microsoft.com/office/drawing/2014/main" id="{C3DA9018-A9E9-8978-E69E-63D9A0C27F2F}"/>
               </a:ext>
             </a:extLst>
           </p:cNvPr>
@@ -1437,7 +1437,7 @@
           <p:cNvPr id="3" name="Content Placeholder 2">
             <a:extLst>
               <a:ext uri="{FF2B5EF4-FFF2-40B4-BE49-F238E27FC236}">
-                <a16:creationId xmlns:a16="http://schemas.microsoft.com/office/drawing/2014/main" id="{45F2D481-1F45-6093-D670-D38968B8E8C9}"/>
+                <a16:creationId xmlns:a16="http://schemas.microsoft.com/office/drawing/2014/main" id="{31CE106D-2E3A-0E0B-D3A6-7A135FBFC557}"/>
               </a:ext>
             </a:extLst>
           </p:cNvPr>
@@ -1500,7 +1500,7 @@
           <p:cNvPr id="4" name="Content Placeholder 3">
             <a:extLst>
               <a:ext uri="{FF2B5EF4-FFF2-40B4-BE49-F238E27FC236}">
-                <a16:creationId xmlns:a16="http://schemas.microsoft.com/office/drawing/2014/main" id="{D1EF6972-2ED8-10DA-05B8-AEEFB71ABAE9}"/>
+                <a16:creationId xmlns:a16="http://schemas.microsoft.com/office/drawing/2014/main" id="{BBDAF516-9E96-FD1F-FEAB-AE4AAF2669F8}"/>
               </a:ext>
             </a:extLst>
           </p:cNvPr>
@@ -1563,7 +1563,7 @@
           <p:cNvPr id="5" name="Date Placeholder 4">
             <a:extLst>
               <a:ext uri="{FF2B5EF4-FFF2-40B4-BE49-F238E27FC236}">
-                <a16:creationId xmlns:a16="http://schemas.microsoft.com/office/drawing/2014/main" id="{0D64CD76-F99C-3E1D-FFDD-A586F131F418}"/>
+                <a16:creationId xmlns:a16="http://schemas.microsoft.com/office/drawing/2014/main" id="{7B03F778-79AB-ACCD-33EC-35DA71175E39}"/>
               </a:ext>
             </a:extLst>
           </p:cNvPr>
@@ -1579,7 +1579,7 @@
           <a:bodyPr/>
           <a:lstStyle/>
           <a:p>
-            <a:fld id="{88AB2608-B12B-4974-8250-1FE2659E0DBA}" type="datetimeFigureOut">
+            <a:fld id="{506FB252-8E34-4C85-8EF7-16D8590CAE4B}" type="datetimeFigureOut">
               <a:rPr lang="en-IN" smtClean="0"/>
               <a:t>03-04-2025</a:t>
             </a:fld>
@@ -1592,7 +1592,7 @@
           <p:cNvPr id="6" name="Footer Placeholder 5">
             <a:extLst>
               <a:ext uri="{FF2B5EF4-FFF2-40B4-BE49-F238E27FC236}">
-                <a16:creationId xmlns:a16="http://schemas.microsoft.com/office/drawing/2014/main" id="{7D1D3213-6407-785E-619F-B8894264CD41}"/>
+                <a16:creationId xmlns:a16="http://schemas.microsoft.com/office/drawing/2014/main" id="{FA320877-731D-A254-618A-5FB58060B376}"/>
               </a:ext>
             </a:extLst>
           </p:cNvPr>
@@ -1617,7 +1617,7 @@
           <p:cNvPr id="7" name="Slide Number Placeholder 6">
             <a:extLst>
               <a:ext uri="{FF2B5EF4-FFF2-40B4-BE49-F238E27FC236}">
-                <a16:creationId xmlns:a16="http://schemas.microsoft.com/office/drawing/2014/main" id="{58E38F81-E43F-077D-F8E9-D99405B15548}"/>
+                <a16:creationId xmlns:a16="http://schemas.microsoft.com/office/drawing/2014/main" id="{F7B17528-2FF3-E38D-4C22-5D58CAE30C9A}"/>
               </a:ext>
             </a:extLst>
           </p:cNvPr>
@@ -1633,7 +1633,7 @@
           <a:bodyPr/>
           <a:lstStyle/>
           <a:p>
-            <a:fld id="{102D2DDF-912C-47FD-926E-45DF627A18CE}" type="slidenum">
+            <a:fld id="{950C697C-1D9C-43BA-BF73-ADE38DB686DA}" type="slidenum">
               <a:rPr lang="en-IN" smtClean="0"/>
               <a:t>‹#›</a:t>
             </a:fld>
@@ -1644,7 +1644,7 @@
     </p:spTree>
     <p:extLst>
       <p:ext uri="{BB962C8B-B14F-4D97-AF65-F5344CB8AC3E}">
-        <p14:creationId xmlns:p14="http://schemas.microsoft.com/office/powerpoint/2010/main" val="3894918906"/>
+        <p14:creationId xmlns:p14="http://schemas.microsoft.com/office/powerpoint/2010/main" val="4225702620"/>
       </p:ext>
     </p:extLst>
   </p:cSld>
@@ -1676,7 +1676,7 @@
           <p:cNvPr id="2" name="Title 1">
             <a:extLst>
               <a:ext uri="{FF2B5EF4-FFF2-40B4-BE49-F238E27FC236}">
-                <a16:creationId xmlns:a16="http://schemas.microsoft.com/office/drawing/2014/main" id="{20356B06-60DE-5465-A386-80D0AB57CF28}"/>
+                <a16:creationId xmlns:a16="http://schemas.microsoft.com/office/drawing/2014/main" id="{AAE0D2F5-A708-B0EB-1D68-DE58FFC22F15}"/>
               </a:ext>
             </a:extLst>
           </p:cNvPr>
@@ -1710,7 +1710,7 @@
           <p:cNvPr id="3" name="Text Placeholder 2">
             <a:extLst>
               <a:ext uri="{FF2B5EF4-FFF2-40B4-BE49-F238E27FC236}">
-                <a16:creationId xmlns:a16="http://schemas.microsoft.com/office/drawing/2014/main" id="{DC8DEA1F-3BE2-BE78-7B17-5613E452FD4D}"/>
+                <a16:creationId xmlns:a16="http://schemas.microsoft.com/office/drawing/2014/main" id="{3005731D-F985-5AC7-4727-7138B8C21D4F}"/>
               </a:ext>
             </a:extLst>
           </p:cNvPr>
@@ -1781,7 +1781,7 @@
           <p:cNvPr id="4" name="Content Placeholder 3">
             <a:extLst>
               <a:ext uri="{FF2B5EF4-FFF2-40B4-BE49-F238E27FC236}">
-                <a16:creationId xmlns:a16="http://schemas.microsoft.com/office/drawing/2014/main" id="{3B191B54-7F90-8E7B-23EC-B747A9041554}"/>
+                <a16:creationId xmlns:a16="http://schemas.microsoft.com/office/drawing/2014/main" id="{C3CEC27B-FAF1-E935-FA81-2CDEECE971C1}"/>
               </a:ext>
             </a:extLst>
           </p:cNvPr>
@@ -1844,7 +1844,7 @@
           <p:cNvPr id="5" name="Text Placeholder 4">
             <a:extLst>
               <a:ext uri="{FF2B5EF4-FFF2-40B4-BE49-F238E27FC236}">
-                <a16:creationId xmlns:a16="http://schemas.microsoft.com/office/drawing/2014/main" id="{87555E83-0EFD-1EF5-5084-55D3575AD636}"/>
+                <a16:creationId xmlns:a16="http://schemas.microsoft.com/office/drawing/2014/main" id="{6F8D87C5-1DC8-7506-7726-282DDA12926A}"/>
               </a:ext>
             </a:extLst>
           </p:cNvPr>
@@ -1915,7 +1915,7 @@
           <p:cNvPr id="6" name="Content Placeholder 5">
             <a:extLst>
               <a:ext uri="{FF2B5EF4-FFF2-40B4-BE49-F238E27FC236}">
-                <a16:creationId xmlns:a16="http://schemas.microsoft.com/office/drawing/2014/main" id="{7C4AC0CD-000C-5DB4-2C51-C2603E807546}"/>
+                <a16:creationId xmlns:a16="http://schemas.microsoft.com/office/drawing/2014/main" id="{44363FA8-8110-D3F8-78AC-1CA938CC2FD7}"/>
               </a:ext>
             </a:extLst>
           </p:cNvPr>
@@ -1978,7 +1978,7 @@
           <p:cNvPr id="7" name="Date Placeholder 6">
             <a:extLst>
               <a:ext uri="{FF2B5EF4-FFF2-40B4-BE49-F238E27FC236}">
-                <a16:creationId xmlns:a16="http://schemas.microsoft.com/office/drawing/2014/main" id="{AD6C7E68-8A4B-A18D-92A8-9ABAA0FC8B76}"/>
+                <a16:creationId xmlns:a16="http://schemas.microsoft.com/office/drawing/2014/main" id="{0E9BDAA5-7531-C7D3-DF67-6366C8B54267}"/>
               </a:ext>
             </a:extLst>
           </p:cNvPr>
@@ -1994,7 +1994,7 @@
           <a:bodyPr/>
           <a:lstStyle/>
           <a:p>
-            <a:fld id="{88AB2608-B12B-4974-8250-1FE2659E0DBA}" type="datetimeFigureOut">
+            <a:fld id="{506FB252-8E34-4C85-8EF7-16D8590CAE4B}" type="datetimeFigureOut">
               <a:rPr lang="en-IN" smtClean="0"/>
               <a:t>03-04-2025</a:t>
             </a:fld>
@@ -2007,7 +2007,7 @@
           <p:cNvPr id="8" name="Footer Placeholder 7">
             <a:extLst>
               <a:ext uri="{FF2B5EF4-FFF2-40B4-BE49-F238E27FC236}">
-                <a16:creationId xmlns:a16="http://schemas.microsoft.com/office/drawing/2014/main" id="{2D2B202E-0167-1B03-9EDF-3D1647195DFA}"/>
+                <a16:creationId xmlns:a16="http://schemas.microsoft.com/office/drawing/2014/main" id="{457F75BC-BCDD-B93C-CD53-84B7692023A6}"/>
               </a:ext>
             </a:extLst>
           </p:cNvPr>
@@ -2032,7 +2032,7 @@
           <p:cNvPr id="9" name="Slide Number Placeholder 8">
             <a:extLst>
               <a:ext uri="{FF2B5EF4-FFF2-40B4-BE49-F238E27FC236}">
-                <a16:creationId xmlns:a16="http://schemas.microsoft.com/office/drawing/2014/main" id="{A8D48550-3EF2-F5DE-DD1E-DDBCC1DD2663}"/>
+                <a16:creationId xmlns:a16="http://schemas.microsoft.com/office/drawing/2014/main" id="{775494FE-E3F4-BB42-7FD4-C197DC1B4578}"/>
               </a:ext>
             </a:extLst>
           </p:cNvPr>
@@ -2048,7 +2048,7 @@
           <a:bodyPr/>
           <a:lstStyle/>
           <a:p>
-            <a:fld id="{102D2DDF-912C-47FD-926E-45DF627A18CE}" type="slidenum">
+            <a:fld id="{950C697C-1D9C-43BA-BF73-ADE38DB686DA}" type="slidenum">
               <a:rPr lang="en-IN" smtClean="0"/>
               <a:t>‹#›</a:t>
             </a:fld>
@@ -2059,7 +2059,7 @@
     </p:spTree>
     <p:extLst>
       <p:ext uri="{BB962C8B-B14F-4D97-AF65-F5344CB8AC3E}">
-        <p14:creationId xmlns:p14="http://schemas.microsoft.com/office/powerpoint/2010/main" val="204096335"/>
+        <p14:creationId xmlns:p14="http://schemas.microsoft.com/office/powerpoint/2010/main" val="2089412098"/>
       </p:ext>
     </p:extLst>
   </p:cSld>
@@ -2091,7 +2091,7 @@
           <p:cNvPr id="2" name="Title 1">
             <a:extLst>
               <a:ext uri="{FF2B5EF4-FFF2-40B4-BE49-F238E27FC236}">
-                <a16:creationId xmlns:a16="http://schemas.microsoft.com/office/drawing/2014/main" id="{183132D2-C728-8B8C-0AA9-7166331CDAD2}"/>
+                <a16:creationId xmlns:a16="http://schemas.microsoft.com/office/drawing/2014/main" id="{2219AB23-EBEB-8B8E-CA58-FF8010E1DB26}"/>
               </a:ext>
             </a:extLst>
           </p:cNvPr>
@@ -2120,7 +2120,7 @@
           <p:cNvPr id="3" name="Date Placeholder 2">
             <a:extLst>
               <a:ext uri="{FF2B5EF4-FFF2-40B4-BE49-F238E27FC236}">
-                <a16:creationId xmlns:a16="http://schemas.microsoft.com/office/drawing/2014/main" id="{2C741CA4-85DA-4CF0-DC73-795367CEFEF1}"/>
+                <a16:creationId xmlns:a16="http://schemas.microsoft.com/office/drawing/2014/main" id="{BCECE276-E55E-1768-2B20-393212726B5C}"/>
               </a:ext>
             </a:extLst>
           </p:cNvPr>
@@ -2136,7 +2136,7 @@
           <a:bodyPr/>
           <a:lstStyle/>
           <a:p>
-            <a:fld id="{88AB2608-B12B-4974-8250-1FE2659E0DBA}" type="datetimeFigureOut">
+            <a:fld id="{506FB252-8E34-4C85-8EF7-16D8590CAE4B}" type="datetimeFigureOut">
               <a:rPr lang="en-IN" smtClean="0"/>
               <a:t>03-04-2025</a:t>
             </a:fld>
@@ -2149,7 +2149,7 @@
           <p:cNvPr id="4" name="Footer Placeholder 3">
             <a:extLst>
               <a:ext uri="{FF2B5EF4-FFF2-40B4-BE49-F238E27FC236}">
-                <a16:creationId xmlns:a16="http://schemas.microsoft.com/office/drawing/2014/main" id="{543C46E8-0E87-09E1-4796-B343DEC90740}"/>
+                <a16:creationId xmlns:a16="http://schemas.microsoft.com/office/drawing/2014/main" id="{4CA0E9A2-C4D4-5B7F-A714-B197682FD89F}"/>
               </a:ext>
             </a:extLst>
           </p:cNvPr>
@@ -2174,7 +2174,7 @@
           <p:cNvPr id="5" name="Slide Number Placeholder 4">
             <a:extLst>
               <a:ext uri="{FF2B5EF4-FFF2-40B4-BE49-F238E27FC236}">
-                <a16:creationId xmlns:a16="http://schemas.microsoft.com/office/drawing/2014/main" id="{540BB2E7-4B5F-01DE-1BD6-4EC1FCD00574}"/>
+                <a16:creationId xmlns:a16="http://schemas.microsoft.com/office/drawing/2014/main" id="{31BE6A2B-2F0C-3F4B-E553-87C4A2AC118E}"/>
               </a:ext>
             </a:extLst>
           </p:cNvPr>
@@ -2190,7 +2190,7 @@
           <a:bodyPr/>
           <a:lstStyle/>
           <a:p>
-            <a:fld id="{102D2DDF-912C-47FD-926E-45DF627A18CE}" type="slidenum">
+            <a:fld id="{950C697C-1D9C-43BA-BF73-ADE38DB686DA}" type="slidenum">
               <a:rPr lang="en-IN" smtClean="0"/>
               <a:t>‹#›</a:t>
             </a:fld>
@@ -2201,7 +2201,7 @@
     </p:spTree>
     <p:extLst>
       <p:ext uri="{BB962C8B-B14F-4D97-AF65-F5344CB8AC3E}">
-        <p14:creationId xmlns:p14="http://schemas.microsoft.com/office/powerpoint/2010/main" val="2426490599"/>
+        <p14:creationId xmlns:p14="http://schemas.microsoft.com/office/powerpoint/2010/main" val="3391614205"/>
       </p:ext>
     </p:extLst>
   </p:cSld>
@@ -2233,7 +2233,7 @@
           <p:cNvPr id="2" name="Date Placeholder 1">
             <a:extLst>
               <a:ext uri="{FF2B5EF4-FFF2-40B4-BE49-F238E27FC236}">
-                <a16:creationId xmlns:a16="http://schemas.microsoft.com/office/drawing/2014/main" id="{7F3DA5A0-404F-3B99-B6DB-4064D95929E8}"/>
+                <a16:creationId xmlns:a16="http://schemas.microsoft.com/office/drawing/2014/main" id="{AA54BBA4-6DA6-6BB7-5FD5-79F1B36D6DB8}"/>
               </a:ext>
             </a:extLst>
           </p:cNvPr>
@@ -2249,7 +2249,7 @@
           <a:bodyPr/>
           <a:lstStyle/>
           <a:p>
-            <a:fld id="{88AB2608-B12B-4974-8250-1FE2659E0DBA}" type="datetimeFigureOut">
+            <a:fld id="{506FB252-8E34-4C85-8EF7-16D8590CAE4B}" type="datetimeFigureOut">
               <a:rPr lang="en-IN" smtClean="0"/>
               <a:t>03-04-2025</a:t>
             </a:fld>
@@ -2262,7 +2262,7 @@
           <p:cNvPr id="3" name="Footer Placeholder 2">
             <a:extLst>
               <a:ext uri="{FF2B5EF4-FFF2-40B4-BE49-F238E27FC236}">
-                <a16:creationId xmlns:a16="http://schemas.microsoft.com/office/drawing/2014/main" id="{E073B3CF-1DA4-E762-3C52-08E79972887F}"/>
+                <a16:creationId xmlns:a16="http://schemas.microsoft.com/office/drawing/2014/main" id="{EDC9CBE2-8641-C1A8-41DE-37B778DF5ED6}"/>
               </a:ext>
             </a:extLst>
           </p:cNvPr>
@@ -2287,7 +2287,7 @@
           <p:cNvPr id="4" name="Slide Number Placeholder 3">
             <a:extLst>
               <a:ext uri="{FF2B5EF4-FFF2-40B4-BE49-F238E27FC236}">
-                <a16:creationId xmlns:a16="http://schemas.microsoft.com/office/drawing/2014/main" id="{3E97D46F-39D7-D079-CCE1-731C550C3C13}"/>
+                <a16:creationId xmlns:a16="http://schemas.microsoft.com/office/drawing/2014/main" id="{F2368DD1-FFBF-4169-DBDC-4BA0757F3DF6}"/>
               </a:ext>
             </a:extLst>
           </p:cNvPr>
@@ -2303,7 +2303,7 @@
           <a:bodyPr/>
           <a:lstStyle/>
           <a:p>
-            <a:fld id="{102D2DDF-912C-47FD-926E-45DF627A18CE}" type="slidenum">
+            <a:fld id="{950C697C-1D9C-43BA-BF73-ADE38DB686DA}" type="slidenum">
               <a:rPr lang="en-IN" smtClean="0"/>
               <a:t>‹#›</a:t>
             </a:fld>
@@ -2314,7 +2314,7 @@
     </p:spTree>
     <p:extLst>
       <p:ext uri="{BB962C8B-B14F-4D97-AF65-F5344CB8AC3E}">
-        <p14:creationId xmlns:p14="http://schemas.microsoft.com/office/powerpoint/2010/main" val="3167255110"/>
+        <p14:creationId xmlns:p14="http://schemas.microsoft.com/office/powerpoint/2010/main" val="1347998775"/>
       </p:ext>
     </p:extLst>
   </p:cSld>
@@ -2346,7 +2346,7 @@
           <p:cNvPr id="2" name="Title 1">
             <a:extLst>
               <a:ext uri="{FF2B5EF4-FFF2-40B4-BE49-F238E27FC236}">
-                <a16:creationId xmlns:a16="http://schemas.microsoft.com/office/drawing/2014/main" id="{9376E085-B5DD-FB80-FB9E-25D53701215A}"/>
+                <a16:creationId xmlns:a16="http://schemas.microsoft.com/office/drawing/2014/main" id="{103579BF-F06E-A9A4-C3DE-1FF1465A9681}"/>
               </a:ext>
             </a:extLst>
           </p:cNvPr>
@@ -2384,7 +2384,7 @@
           <p:cNvPr id="3" name="Content Placeholder 2">
             <a:extLst>
               <a:ext uri="{FF2B5EF4-FFF2-40B4-BE49-F238E27FC236}">
-                <a16:creationId xmlns:a16="http://schemas.microsoft.com/office/drawing/2014/main" id="{25C1D363-F94B-81A3-ED3F-98867B70C166}"/>
+                <a16:creationId xmlns:a16="http://schemas.microsoft.com/office/drawing/2014/main" id="{0ABFA9B2-00E3-78BE-EE0B-7AD2CC56D75E}"/>
               </a:ext>
             </a:extLst>
           </p:cNvPr>
@@ -2475,7 +2475,7 @@
           <p:cNvPr id="4" name="Text Placeholder 3">
             <a:extLst>
               <a:ext uri="{FF2B5EF4-FFF2-40B4-BE49-F238E27FC236}">
-                <a16:creationId xmlns:a16="http://schemas.microsoft.com/office/drawing/2014/main" id="{DA198080-879D-EAAB-F53A-08E286850DED}"/>
+                <a16:creationId xmlns:a16="http://schemas.microsoft.com/office/drawing/2014/main" id="{3511D0AA-94DC-017D-E5F3-3A809348F79E}"/>
               </a:ext>
             </a:extLst>
           </p:cNvPr>
@@ -2546,7 +2546,7 @@
           <p:cNvPr id="5" name="Date Placeholder 4">
             <a:extLst>
               <a:ext uri="{FF2B5EF4-FFF2-40B4-BE49-F238E27FC236}">
-                <a16:creationId xmlns:a16="http://schemas.microsoft.com/office/drawing/2014/main" id="{2DB4E993-C039-B319-1A7C-C8B8BC74972A}"/>
+                <a16:creationId xmlns:a16="http://schemas.microsoft.com/office/drawing/2014/main" id="{02197AD4-3E6B-86BC-A84C-113A3C700A8C}"/>
               </a:ext>
             </a:extLst>
           </p:cNvPr>
@@ -2562,7 +2562,7 @@
           <a:bodyPr/>
           <a:lstStyle/>
           <a:p>
-            <a:fld id="{88AB2608-B12B-4974-8250-1FE2659E0DBA}" type="datetimeFigureOut">
+            <a:fld id="{506FB252-8E34-4C85-8EF7-16D8590CAE4B}" type="datetimeFigureOut">
               <a:rPr lang="en-IN" smtClean="0"/>
               <a:t>03-04-2025</a:t>
             </a:fld>
@@ -2575,7 +2575,7 @@
           <p:cNvPr id="6" name="Footer Placeholder 5">
             <a:extLst>
               <a:ext uri="{FF2B5EF4-FFF2-40B4-BE49-F238E27FC236}">
-                <a16:creationId xmlns:a16="http://schemas.microsoft.com/office/drawing/2014/main" id="{B270040D-7400-6237-30C5-EDDA41CBEF95}"/>
+                <a16:creationId xmlns:a16="http://schemas.microsoft.com/office/drawing/2014/main" id="{21E43064-F97F-845D-2A0D-FE283E4088D8}"/>
               </a:ext>
             </a:extLst>
           </p:cNvPr>
@@ -2600,7 +2600,7 @@
           <p:cNvPr id="7" name="Slide Number Placeholder 6">
             <a:extLst>
               <a:ext uri="{FF2B5EF4-FFF2-40B4-BE49-F238E27FC236}">
-                <a16:creationId xmlns:a16="http://schemas.microsoft.com/office/drawing/2014/main" id="{F6FECDC4-6A29-1399-5CE4-8A4800EDD2BF}"/>
+                <a16:creationId xmlns:a16="http://schemas.microsoft.com/office/drawing/2014/main" id="{D919EF42-D66E-6834-7E1E-78F39A0DAB73}"/>
               </a:ext>
             </a:extLst>
           </p:cNvPr>
@@ -2616,7 +2616,7 @@
           <a:bodyPr/>
           <a:lstStyle/>
           <a:p>
-            <a:fld id="{102D2DDF-912C-47FD-926E-45DF627A18CE}" type="slidenum">
+            <a:fld id="{950C697C-1D9C-43BA-BF73-ADE38DB686DA}" type="slidenum">
               <a:rPr lang="en-IN" smtClean="0"/>
               <a:t>‹#›</a:t>
             </a:fld>
@@ -2627,7 +2627,7 @@
     </p:spTree>
     <p:extLst>
       <p:ext uri="{BB962C8B-B14F-4D97-AF65-F5344CB8AC3E}">
-        <p14:creationId xmlns:p14="http://schemas.microsoft.com/office/powerpoint/2010/main" val="2186707022"/>
+        <p14:creationId xmlns:p14="http://schemas.microsoft.com/office/powerpoint/2010/main" val="685969658"/>
       </p:ext>
     </p:extLst>
   </p:cSld>
@@ -2659,7 +2659,7 @@
           <p:cNvPr id="2" name="Title 1">
             <a:extLst>
               <a:ext uri="{FF2B5EF4-FFF2-40B4-BE49-F238E27FC236}">
-                <a16:creationId xmlns:a16="http://schemas.microsoft.com/office/drawing/2014/main" id="{80EA01EA-04DD-24FC-E0CF-B07948CF28D7}"/>
+                <a16:creationId xmlns:a16="http://schemas.microsoft.com/office/drawing/2014/main" id="{1E58B0AC-929F-24A1-C62A-42767B322584}"/>
               </a:ext>
             </a:extLst>
           </p:cNvPr>
@@ -2697,7 +2697,7 @@
           <p:cNvPr id="3" name="Picture Placeholder 2">
             <a:extLst>
               <a:ext uri="{FF2B5EF4-FFF2-40B4-BE49-F238E27FC236}">
-                <a16:creationId xmlns:a16="http://schemas.microsoft.com/office/drawing/2014/main" id="{39EDC59F-DE4C-CB3C-3043-74173EE22DBC}"/>
+                <a16:creationId xmlns:a16="http://schemas.microsoft.com/office/drawing/2014/main" id="{B08615A9-9F7F-B087-5D60-7A4A88873456}"/>
               </a:ext>
             </a:extLst>
           </p:cNvPr>
@@ -2764,7 +2764,7 @@
           <p:cNvPr id="4" name="Text Placeholder 3">
             <a:extLst>
               <a:ext uri="{FF2B5EF4-FFF2-40B4-BE49-F238E27FC236}">
-                <a16:creationId xmlns:a16="http://schemas.microsoft.com/office/drawing/2014/main" id="{85D97088-1826-D0C3-F83D-072676E94621}"/>
+                <a16:creationId xmlns:a16="http://schemas.microsoft.com/office/drawing/2014/main" id="{28E0EA44-4E2D-B76A-7251-9CF5F9E323F7}"/>
               </a:ext>
             </a:extLst>
           </p:cNvPr>
@@ -2835,7 +2835,7 @@
           <p:cNvPr id="5" name="Date Placeholder 4">
             <a:extLst>
               <a:ext uri="{FF2B5EF4-FFF2-40B4-BE49-F238E27FC236}">
-                <a16:creationId xmlns:a16="http://schemas.microsoft.com/office/drawing/2014/main" id="{50C868E0-FE56-18A5-F058-4F04D2548429}"/>
+                <a16:creationId xmlns:a16="http://schemas.microsoft.com/office/drawing/2014/main" id="{5DC70E33-0714-57E4-F189-45180A8AF15F}"/>
               </a:ext>
             </a:extLst>
           </p:cNvPr>
@@ -2851,7 +2851,7 @@
           <a:bodyPr/>
           <a:lstStyle/>
           <a:p>
-            <a:fld id="{88AB2608-B12B-4974-8250-1FE2659E0DBA}" type="datetimeFigureOut">
+            <a:fld id="{506FB252-8E34-4C85-8EF7-16D8590CAE4B}" type="datetimeFigureOut">
               <a:rPr lang="en-IN" smtClean="0"/>
               <a:t>03-04-2025</a:t>
             </a:fld>
@@ -2864,7 +2864,7 @@
           <p:cNvPr id="6" name="Footer Placeholder 5">
             <a:extLst>
               <a:ext uri="{FF2B5EF4-FFF2-40B4-BE49-F238E27FC236}">
-                <a16:creationId xmlns:a16="http://schemas.microsoft.com/office/drawing/2014/main" id="{01205777-3E59-63B3-89A2-0AE354D9CFC6}"/>
+                <a16:creationId xmlns:a16="http://schemas.microsoft.com/office/drawing/2014/main" id="{33BBBC89-BA06-1F31-61BD-2C9D669D1CA5}"/>
               </a:ext>
             </a:extLst>
           </p:cNvPr>
@@ -2889,7 +2889,7 @@
           <p:cNvPr id="7" name="Slide Number Placeholder 6">
             <a:extLst>
               <a:ext uri="{FF2B5EF4-FFF2-40B4-BE49-F238E27FC236}">
-                <a16:creationId xmlns:a16="http://schemas.microsoft.com/office/drawing/2014/main" id="{E0E0255B-7DA8-393A-3E69-3B548C3516CA}"/>
+                <a16:creationId xmlns:a16="http://schemas.microsoft.com/office/drawing/2014/main" id="{82F95AC7-7B84-90E5-AFC2-92126E347973}"/>
               </a:ext>
             </a:extLst>
           </p:cNvPr>
@@ -2905,7 +2905,7 @@
           <a:bodyPr/>
           <a:lstStyle/>
           <a:p>
-            <a:fld id="{102D2DDF-912C-47FD-926E-45DF627A18CE}" type="slidenum">
+            <a:fld id="{950C697C-1D9C-43BA-BF73-ADE38DB686DA}" type="slidenum">
               <a:rPr lang="en-IN" smtClean="0"/>
               <a:t>‹#›</a:t>
             </a:fld>
@@ -2916,7 +2916,7 @@
     </p:spTree>
     <p:extLst>
       <p:ext uri="{BB962C8B-B14F-4D97-AF65-F5344CB8AC3E}">
-        <p14:creationId xmlns:p14="http://schemas.microsoft.com/office/powerpoint/2010/main" val="641346597"/>
+        <p14:creationId xmlns:p14="http://schemas.microsoft.com/office/powerpoint/2010/main" val="657933040"/>
       </p:ext>
     </p:extLst>
   </p:cSld>
@@ -2953,7 +2953,7 @@
           <p:cNvPr id="2" name="Title Placeholder 1">
             <a:extLst>
               <a:ext uri="{FF2B5EF4-FFF2-40B4-BE49-F238E27FC236}">
-                <a16:creationId xmlns:a16="http://schemas.microsoft.com/office/drawing/2014/main" id="{C1D4E9FE-9312-3751-ED65-1E08007B11E3}"/>
+                <a16:creationId xmlns:a16="http://schemas.microsoft.com/office/drawing/2014/main" id="{1D70017A-C2A3-EF24-8EF6-91AC6BFA9048}"/>
               </a:ext>
             </a:extLst>
           </p:cNvPr>
@@ -2992,7 +2992,7 @@
           <p:cNvPr id="3" name="Text Placeholder 2">
             <a:extLst>
               <a:ext uri="{FF2B5EF4-FFF2-40B4-BE49-F238E27FC236}">
-                <a16:creationId xmlns:a16="http://schemas.microsoft.com/office/drawing/2014/main" id="{3C2D5DFC-08BF-A350-26E3-0FA9F45426FF}"/>
+                <a16:creationId xmlns:a16="http://schemas.microsoft.com/office/drawing/2014/main" id="{EEEA6C02-528D-5878-1326-7194F7A995A7}"/>
               </a:ext>
             </a:extLst>
           </p:cNvPr>
@@ -3060,7 +3060,7 @@
           <p:cNvPr id="4" name="Date Placeholder 3">
             <a:extLst>
               <a:ext uri="{FF2B5EF4-FFF2-40B4-BE49-F238E27FC236}">
-                <a16:creationId xmlns:a16="http://schemas.microsoft.com/office/drawing/2014/main" id="{9C320874-58C3-8669-51F5-89C308B2C6FB}"/>
+                <a16:creationId xmlns:a16="http://schemas.microsoft.com/office/drawing/2014/main" id="{9EFE4139-6EAF-A963-77F1-151D7B22DDFF}"/>
               </a:ext>
             </a:extLst>
           </p:cNvPr>
@@ -3094,7 +3094,7 @@
             </a:lvl1pPr>
           </a:lstStyle>
           <a:p>
-            <a:fld id="{88AB2608-B12B-4974-8250-1FE2659E0DBA}" type="datetimeFigureOut">
+            <a:fld id="{506FB252-8E34-4C85-8EF7-16D8590CAE4B}" type="datetimeFigureOut">
               <a:rPr lang="en-IN" smtClean="0"/>
               <a:t>03-04-2025</a:t>
             </a:fld>
@@ -3107,7 +3107,7 @@
           <p:cNvPr id="5" name="Footer Placeholder 4">
             <a:extLst>
               <a:ext uri="{FF2B5EF4-FFF2-40B4-BE49-F238E27FC236}">
-                <a16:creationId xmlns:a16="http://schemas.microsoft.com/office/drawing/2014/main" id="{6642291C-D3E7-3D44-AF80-F6C2E6FDAD7E}"/>
+                <a16:creationId xmlns:a16="http://schemas.microsoft.com/office/drawing/2014/main" id="{C42FB632-7C2F-5D43-4736-0D13916479FA}"/>
               </a:ext>
             </a:extLst>
           </p:cNvPr>
@@ -3150,7 +3150,7 @@
           <p:cNvPr id="6" name="Slide Number Placeholder 5">
             <a:extLst>
               <a:ext uri="{FF2B5EF4-FFF2-40B4-BE49-F238E27FC236}">
-                <a16:creationId xmlns:a16="http://schemas.microsoft.com/office/drawing/2014/main" id="{6774447F-2F2C-F2D5-2A17-8969193FECB3}"/>
+                <a16:creationId xmlns:a16="http://schemas.microsoft.com/office/drawing/2014/main" id="{47277D2D-967A-EF0C-1A41-04647501AC01}"/>
               </a:ext>
             </a:extLst>
           </p:cNvPr>
@@ -3184,7 +3184,7 @@
             </a:lvl1pPr>
           </a:lstStyle>
           <a:p>
-            <a:fld id="{102D2DDF-912C-47FD-926E-45DF627A18CE}" type="slidenum">
+            <a:fld id="{950C697C-1D9C-43BA-BF73-ADE38DB686DA}" type="slidenum">
               <a:rPr lang="en-IN" smtClean="0"/>
               <a:t>‹#›</a:t>
             </a:fld>
@@ -3195,7 +3195,7 @@
     </p:spTree>
     <p:extLst>
       <p:ext uri="{BB962C8B-B14F-4D97-AF65-F5344CB8AC3E}">
-        <p14:creationId xmlns:p14="http://schemas.microsoft.com/office/powerpoint/2010/main" val="3849246357"/>
+        <p14:creationId xmlns:p14="http://schemas.microsoft.com/office/powerpoint/2010/main" val="2769707808"/>
       </p:ext>
     </p:extLst>
   </p:cSld>
@@ -3519,7 +3519,7 @@
           <p:cNvPr id="2" name="Title 1">
             <a:extLst>
               <a:ext uri="{FF2B5EF4-FFF2-40B4-BE49-F238E27FC236}">
-                <a16:creationId xmlns:a16="http://schemas.microsoft.com/office/drawing/2014/main" id="{C38F7813-8D77-E89A-1304-3007EFA06CC7}"/>
+                <a16:creationId xmlns:a16="http://schemas.microsoft.com/office/drawing/2014/main" id="{14B9C4BD-EE7E-0C0F-6D17-AFD31D0C048A}"/>
               </a:ext>
             </a:extLst>
           </p:cNvPr>
@@ -3547,7 +3547,7 @@
           <p:cNvPr id="3" name="Subtitle 2">
             <a:extLst>
               <a:ext uri="{FF2B5EF4-FFF2-40B4-BE49-F238E27FC236}">
-                <a16:creationId xmlns:a16="http://schemas.microsoft.com/office/drawing/2014/main" id="{AE56D56C-614C-E743-C67F-4C0DEEC6ED23}"/>
+                <a16:creationId xmlns:a16="http://schemas.microsoft.com/office/drawing/2014/main" id="{8C057CAC-1633-F62D-554D-601495C06D54}"/>
               </a:ext>
             </a:extLst>
           </p:cNvPr>
@@ -3572,7 +3572,7 @@
           <p:cNvPr id="4" name="TextBox 3">
             <a:extLst>
               <a:ext uri="{FF2B5EF4-FFF2-40B4-BE49-F238E27FC236}">
-                <a16:creationId xmlns:a16="http://schemas.microsoft.com/office/drawing/2014/main" id="{6EC5F7EE-FBF2-DC8D-DE6E-662514F494F6}"/>
+                <a16:creationId xmlns:a16="http://schemas.microsoft.com/office/drawing/2014/main" id="{73852509-BF52-1AFC-246E-FD1BA99BA738}"/>
               </a:ext>
             </a:extLst>
           </p:cNvPr>
@@ -3607,7 +3607,7 @@
           <p:cNvPr id="5" name="TextBox 4">
             <a:extLst>
               <a:ext uri="{FF2B5EF4-FFF2-40B4-BE49-F238E27FC236}">
-                <a16:creationId xmlns:a16="http://schemas.microsoft.com/office/drawing/2014/main" id="{A5EBEF06-77D5-6D61-F4F5-43E47F0AE093}"/>
+                <a16:creationId xmlns:a16="http://schemas.microsoft.com/office/drawing/2014/main" id="{6AD9E624-6D18-110D-9FF0-5F2B5D409D13}"/>
               </a:ext>
             </a:extLst>
           </p:cNvPr>
@@ -3642,7 +3642,7 @@
           <p:cNvPr id="6" name="TextBox 5">
             <a:extLst>
               <a:ext uri="{FF2B5EF4-FFF2-40B4-BE49-F238E27FC236}">
-                <a16:creationId xmlns:a16="http://schemas.microsoft.com/office/drawing/2014/main" id="{01695476-7F70-3368-073A-127566DAB32A}"/>
+                <a16:creationId xmlns:a16="http://schemas.microsoft.com/office/drawing/2014/main" id="{AFB46CD3-08D0-D7D2-5F89-63280A4B7127}"/>
               </a:ext>
             </a:extLst>
           </p:cNvPr>
@@ -3677,7 +3677,7 @@
           <p:cNvPr id="7" name="TextBox 6">
             <a:extLst>
               <a:ext uri="{FF2B5EF4-FFF2-40B4-BE49-F238E27FC236}">
-                <a16:creationId xmlns:a16="http://schemas.microsoft.com/office/drawing/2014/main" id="{D90027F5-1295-3CA0-007B-44C405526A7D}"/>
+                <a16:creationId xmlns:a16="http://schemas.microsoft.com/office/drawing/2014/main" id="{264B9B07-1DFE-929E-B62F-E614168769DE}"/>
               </a:ext>
             </a:extLst>
           </p:cNvPr>
@@ -3712,7 +3712,7 @@
           <p:cNvPr id="8" name="TextBox 7">
             <a:extLst>
               <a:ext uri="{FF2B5EF4-FFF2-40B4-BE49-F238E27FC236}">
-                <a16:creationId xmlns:a16="http://schemas.microsoft.com/office/drawing/2014/main" id="{D00D2845-90BC-B314-3BE7-D5B09C4B0235}"/>
+                <a16:creationId xmlns:a16="http://schemas.microsoft.com/office/drawing/2014/main" id="{F44B7D25-509F-CC06-D0F1-3DD4E6FA213C}"/>
               </a:ext>
             </a:extLst>
           </p:cNvPr>
@@ -3747,7 +3747,7 @@
           <p:cNvPr id="9" name="TextBox 8">
             <a:extLst>
               <a:ext uri="{FF2B5EF4-FFF2-40B4-BE49-F238E27FC236}">
-                <a16:creationId xmlns:a16="http://schemas.microsoft.com/office/drawing/2014/main" id="{AD29DF94-3BE2-8579-6924-B794E42E9A64}"/>
+                <a16:creationId xmlns:a16="http://schemas.microsoft.com/office/drawing/2014/main" id="{57D4A8D5-AAB9-F8B2-0EDB-19DE9761FA92}"/>
               </a:ext>
             </a:extLst>
           </p:cNvPr>
@@ -3782,7 +3782,7 @@
           <p:cNvPr id="10" name="TextBox 9">
             <a:extLst>
               <a:ext uri="{FF2B5EF4-FFF2-40B4-BE49-F238E27FC236}">
-                <a16:creationId xmlns:a16="http://schemas.microsoft.com/office/drawing/2014/main" id="{4CB867FE-A071-0559-1563-19A860FFF3A5}"/>
+                <a16:creationId xmlns:a16="http://schemas.microsoft.com/office/drawing/2014/main" id="{B53DAA14-CD20-80C2-8DE8-CFE5B3A3FE25}"/>
               </a:ext>
             </a:extLst>
           </p:cNvPr>
@@ -3817,7 +3817,7 @@
           <p:cNvPr id="11" name="TextBox 10">
             <a:extLst>
               <a:ext uri="{FF2B5EF4-FFF2-40B4-BE49-F238E27FC236}">
-                <a16:creationId xmlns:a16="http://schemas.microsoft.com/office/drawing/2014/main" id="{769FE195-64E0-0366-AC14-3974FB175803}"/>
+                <a16:creationId xmlns:a16="http://schemas.microsoft.com/office/drawing/2014/main" id="{C269A11E-218F-8C46-10E8-D274C86FC1DD}"/>
               </a:ext>
             </a:extLst>
           </p:cNvPr>
@@ -3852,7 +3852,7 @@
           <p:cNvPr id="12" name="TextBox 11">
             <a:extLst>
               <a:ext uri="{FF2B5EF4-FFF2-40B4-BE49-F238E27FC236}">
-                <a16:creationId xmlns:a16="http://schemas.microsoft.com/office/drawing/2014/main" id="{929EE4C6-BA95-D8ED-6C37-091EB749DF64}"/>
+                <a16:creationId xmlns:a16="http://schemas.microsoft.com/office/drawing/2014/main" id="{BBE11AFB-CB5B-DC7C-7EBB-0D0264DE12D9}"/>
               </a:ext>
             </a:extLst>
           </p:cNvPr>
@@ -3885,7 +3885,7 @@
     </p:spTree>
     <p:extLst>
       <p:ext uri="{BB962C8B-B14F-4D97-AF65-F5344CB8AC3E}">
-        <p14:creationId xmlns:p14="http://schemas.microsoft.com/office/powerpoint/2010/main" val="3949426969"/>
+        <p14:creationId xmlns:p14="http://schemas.microsoft.com/office/powerpoint/2010/main" val="2406212632"/>
       </p:ext>
     </p:extLst>
   </p:cSld>
@@ -3917,7 +3917,7 @@
           <p:cNvPr id="2" name="Title 1">
             <a:extLst>
               <a:ext uri="{FF2B5EF4-FFF2-40B4-BE49-F238E27FC236}">
-                <a16:creationId xmlns:a16="http://schemas.microsoft.com/office/drawing/2014/main" id="{2CE95209-C34C-6E92-5C9A-0F3F85E618E9}"/>
+                <a16:creationId xmlns:a16="http://schemas.microsoft.com/office/drawing/2014/main" id="{CCB13F8E-DD3B-326D-98B3-C353962CB66B}"/>
               </a:ext>
             </a:extLst>
           </p:cNvPr>
@@ -3945,7 +3945,7 @@
           <p:cNvPr id="3" name="SmartArt Placeholder 2">
             <a:extLst>
               <a:ext uri="{FF2B5EF4-FFF2-40B4-BE49-F238E27FC236}">
-                <a16:creationId xmlns:a16="http://schemas.microsoft.com/office/drawing/2014/main" id="{1D9ED85A-CF76-0666-0398-ADB1313DBA3D}"/>
+                <a16:creationId xmlns:a16="http://schemas.microsoft.com/office/drawing/2014/main" id="{FCA9F61B-A743-A292-21DA-66C66B1AA765}"/>
               </a:ext>
             </a:extLst>
           </p:cNvPr>
@@ -3963,7 +3963,7 @@
           <p:cNvPr id="4" name="TextBox 3">
             <a:extLst>
               <a:ext uri="{FF2B5EF4-FFF2-40B4-BE49-F238E27FC236}">
-                <a16:creationId xmlns:a16="http://schemas.microsoft.com/office/drawing/2014/main" id="{358502AF-EEC8-2B4E-6A49-B93BEEE6E0F4}"/>
+                <a16:creationId xmlns:a16="http://schemas.microsoft.com/office/drawing/2014/main" id="{188E2426-B58E-5CBE-036D-BA2D2795F68F}"/>
               </a:ext>
             </a:extLst>
           </p:cNvPr>
@@ -3998,7 +3998,7 @@
           <p:cNvPr id="5" name="TextBox 4">
             <a:extLst>
               <a:ext uri="{FF2B5EF4-FFF2-40B4-BE49-F238E27FC236}">
-                <a16:creationId xmlns:a16="http://schemas.microsoft.com/office/drawing/2014/main" id="{DA4D83A5-85A5-9473-B10F-CD209E9A0DCF}"/>
+                <a16:creationId xmlns:a16="http://schemas.microsoft.com/office/drawing/2014/main" id="{79C42FAA-B864-60A6-35A6-0B73C93BCDD9}"/>
               </a:ext>
             </a:extLst>
           </p:cNvPr>
@@ -4034,7 +4034,7 @@
           <p:cNvPr id="6" name="Rectangle 5">
             <a:extLst>
               <a:ext uri="{FF2B5EF4-FFF2-40B4-BE49-F238E27FC236}">
-                <a16:creationId xmlns:a16="http://schemas.microsoft.com/office/drawing/2014/main" id="{A4DAFBD7-5707-7F80-658D-26700F361439}"/>
+                <a16:creationId xmlns:a16="http://schemas.microsoft.com/office/drawing/2014/main" id="{EA6756A4-AC58-8727-E965-EED13B11D971}"/>
               </a:ext>
             </a:extLst>
           </p:cNvPr>
@@ -4083,7 +4083,7 @@
           <p:cNvPr id="7" name="TextBox 6">
             <a:extLst>
               <a:ext uri="{FF2B5EF4-FFF2-40B4-BE49-F238E27FC236}">
-                <a16:creationId xmlns:a16="http://schemas.microsoft.com/office/drawing/2014/main" id="{A3563577-CB20-17E6-017E-14AB914AD04F}"/>
+                <a16:creationId xmlns:a16="http://schemas.microsoft.com/office/drawing/2014/main" id="{BAF4BBEF-1363-8339-F37C-1CEC87664F53}"/>
               </a:ext>
             </a:extLst>
           </p:cNvPr>
@@ -4119,7 +4119,7 @@
           <p:cNvPr id="8" name="TextBox 7">
             <a:extLst>
               <a:ext uri="{FF2B5EF4-FFF2-40B4-BE49-F238E27FC236}">
-                <a16:creationId xmlns:a16="http://schemas.microsoft.com/office/drawing/2014/main" id="{0D8D9294-F0BD-5358-A674-2AF5D079E756}"/>
+                <a16:creationId xmlns:a16="http://schemas.microsoft.com/office/drawing/2014/main" id="{384EC0D1-4A6A-F9C2-EF55-9170BD770C96}"/>
               </a:ext>
             </a:extLst>
           </p:cNvPr>
@@ -4155,7 +4155,7 @@
           <p:cNvPr id="9" name="TextBox 8">
             <a:extLst>
               <a:ext uri="{FF2B5EF4-FFF2-40B4-BE49-F238E27FC236}">
-                <a16:creationId xmlns:a16="http://schemas.microsoft.com/office/drawing/2014/main" id="{5848C35C-8500-8779-3A8A-C1DB4183F341}"/>
+                <a16:creationId xmlns:a16="http://schemas.microsoft.com/office/drawing/2014/main" id="{E34313AD-0C5B-B549-35A9-06234B81337D}"/>
               </a:ext>
             </a:extLst>
           </p:cNvPr>
@@ -4194,7 +4194,7 @@
           <p:cNvPr id="10" name="Rectangle 9">
             <a:extLst>
               <a:ext uri="{FF2B5EF4-FFF2-40B4-BE49-F238E27FC236}">
-                <a16:creationId xmlns:a16="http://schemas.microsoft.com/office/drawing/2014/main" id="{C929BA4E-3070-F85A-BDE9-61FCD7C12F02}"/>
+                <a16:creationId xmlns:a16="http://schemas.microsoft.com/office/drawing/2014/main" id="{3BE290B1-4C02-F19A-2456-F391568D8F13}"/>
               </a:ext>
             </a:extLst>
           </p:cNvPr>
@@ -4243,7 +4243,7 @@
           <p:cNvPr id="11" name="TextBox 10">
             <a:extLst>
               <a:ext uri="{FF2B5EF4-FFF2-40B4-BE49-F238E27FC236}">
-                <a16:creationId xmlns:a16="http://schemas.microsoft.com/office/drawing/2014/main" id="{2F88D941-43DE-61A9-5C5E-C9ACE34F411D}"/>
+                <a16:creationId xmlns:a16="http://schemas.microsoft.com/office/drawing/2014/main" id="{3F745B20-4959-EF7F-8A55-3EB5E08093FA}"/>
               </a:ext>
             </a:extLst>
           </p:cNvPr>
@@ -4278,7 +4278,7 @@
           <p:cNvPr id="12" name="TextBox 11">
             <a:extLst>
               <a:ext uri="{FF2B5EF4-FFF2-40B4-BE49-F238E27FC236}">
-                <a16:creationId xmlns:a16="http://schemas.microsoft.com/office/drawing/2014/main" id="{42E0EC07-4E40-DC63-7E87-A3BEB5F5E761}"/>
+                <a16:creationId xmlns:a16="http://schemas.microsoft.com/office/drawing/2014/main" id="{8B3E04A4-8164-DF8D-E13D-738F250F580C}"/>
               </a:ext>
             </a:extLst>
           </p:cNvPr>
@@ -4313,7 +4313,7 @@
           <p:cNvPr id="13" name="TextBox 12">
             <a:extLst>
               <a:ext uri="{FF2B5EF4-FFF2-40B4-BE49-F238E27FC236}">
-                <a16:creationId xmlns:a16="http://schemas.microsoft.com/office/drawing/2014/main" id="{116BF557-7434-764B-81EF-5310718C97CF}"/>
+                <a16:creationId xmlns:a16="http://schemas.microsoft.com/office/drawing/2014/main" id="{0EF80F3D-BCD9-8885-9B56-147604FCA5AF}"/>
               </a:ext>
             </a:extLst>
           </p:cNvPr>
@@ -4351,7 +4351,7 @@
     </p:spTree>
     <p:extLst>
       <p:ext uri="{BB962C8B-B14F-4D97-AF65-F5344CB8AC3E}">
-        <p14:creationId xmlns:p14="http://schemas.microsoft.com/office/powerpoint/2010/main" val="2391231188"/>
+        <p14:creationId xmlns:p14="http://schemas.microsoft.com/office/powerpoint/2010/main" val="3892728847"/>
       </p:ext>
     </p:extLst>
   </p:cSld>
@@ -4383,7 +4383,7 @@
           <p:cNvPr id="2" name="Title 1">
             <a:extLst>
               <a:ext uri="{FF2B5EF4-FFF2-40B4-BE49-F238E27FC236}">
-                <a16:creationId xmlns:a16="http://schemas.microsoft.com/office/drawing/2014/main" id="{C6747E28-7E73-F4B5-1260-96C8D4182FB0}"/>
+                <a16:creationId xmlns:a16="http://schemas.microsoft.com/office/drawing/2014/main" id="{ADECBBDF-22F0-B9A3-0CBD-F34BD8D87AD0}"/>
               </a:ext>
             </a:extLst>
           </p:cNvPr>
@@ -4411,7 +4411,7 @@
           <p:cNvPr id="3" name="SmartArt Placeholder 2">
             <a:extLst>
               <a:ext uri="{FF2B5EF4-FFF2-40B4-BE49-F238E27FC236}">
-                <a16:creationId xmlns:a16="http://schemas.microsoft.com/office/drawing/2014/main" id="{13FBAF80-B3A0-C505-EA9B-5AF3CF293A96}"/>
+                <a16:creationId xmlns:a16="http://schemas.microsoft.com/office/drawing/2014/main" id="{FA129A38-BCC4-0587-A900-77E96F7F481F}"/>
               </a:ext>
             </a:extLst>
           </p:cNvPr>
@@ -4429,7 +4429,7 @@
           <p:cNvPr id="4" name="TextBox 3">
             <a:extLst>
               <a:ext uri="{FF2B5EF4-FFF2-40B4-BE49-F238E27FC236}">
-                <a16:creationId xmlns:a16="http://schemas.microsoft.com/office/drawing/2014/main" id="{A2CAB4FF-ACD0-7893-4866-6D07AE029FA6}"/>
+                <a16:creationId xmlns:a16="http://schemas.microsoft.com/office/drawing/2014/main" id="{1343E256-FCAE-E61C-4B69-3B83A417731F}"/>
               </a:ext>
             </a:extLst>
           </p:cNvPr>
@@ -4464,7 +4464,7 @@
           <p:cNvPr id="5" name="TextBox 4">
             <a:extLst>
               <a:ext uri="{FF2B5EF4-FFF2-40B4-BE49-F238E27FC236}">
-                <a16:creationId xmlns:a16="http://schemas.microsoft.com/office/drawing/2014/main" id="{1CBA60E3-4E6E-42F5-40DE-3EF8FBD9FA8D}"/>
+                <a16:creationId xmlns:a16="http://schemas.microsoft.com/office/drawing/2014/main" id="{C16145D1-B8F7-6041-3375-883588B07EFC}"/>
               </a:ext>
             </a:extLst>
           </p:cNvPr>
@@ -4499,7 +4499,7 @@
           <p:cNvPr id="6" name="TextBox 5">
             <a:extLst>
               <a:ext uri="{FF2B5EF4-FFF2-40B4-BE49-F238E27FC236}">
-                <a16:creationId xmlns:a16="http://schemas.microsoft.com/office/drawing/2014/main" id="{E5B3F1A2-7E95-E3EE-6B60-DBB513BB892D}"/>
+                <a16:creationId xmlns:a16="http://schemas.microsoft.com/office/drawing/2014/main" id="{406AE1FD-83FC-E1BB-7627-0A043D3539CC}"/>
               </a:ext>
             </a:extLst>
           </p:cNvPr>
@@ -4538,7 +4538,7 @@
           <p:cNvPr id="7" name="Rectangle 6">
             <a:extLst>
               <a:ext uri="{FF2B5EF4-FFF2-40B4-BE49-F238E27FC236}">
-                <a16:creationId xmlns:a16="http://schemas.microsoft.com/office/drawing/2014/main" id="{A7A2625B-3D8D-0C92-F6F8-592E8846CB93}"/>
+                <a16:creationId xmlns:a16="http://schemas.microsoft.com/office/drawing/2014/main" id="{28318F6C-6A5A-B722-EEFF-E7CB9285425B}"/>
               </a:ext>
             </a:extLst>
           </p:cNvPr>
@@ -4587,7 +4587,7 @@
           <p:cNvPr id="8" name="TextBox 7">
             <a:extLst>
               <a:ext uri="{FF2B5EF4-FFF2-40B4-BE49-F238E27FC236}">
-                <a16:creationId xmlns:a16="http://schemas.microsoft.com/office/drawing/2014/main" id="{DBC96903-CA3A-758D-A5F8-355851BA1A03}"/>
+                <a16:creationId xmlns:a16="http://schemas.microsoft.com/office/drawing/2014/main" id="{CEB48A95-7135-1E37-B5FD-BFFC34A19AC6}"/>
               </a:ext>
             </a:extLst>
           </p:cNvPr>
@@ -4622,7 +4622,7 @@
           <p:cNvPr id="9" name="Rectangle 8">
             <a:extLst>
               <a:ext uri="{FF2B5EF4-FFF2-40B4-BE49-F238E27FC236}">
-                <a16:creationId xmlns:a16="http://schemas.microsoft.com/office/drawing/2014/main" id="{A846AE43-A1FE-2D7F-8516-0EC044B366E2}"/>
+                <a16:creationId xmlns:a16="http://schemas.microsoft.com/office/drawing/2014/main" id="{827CE695-F45F-F537-D688-6676A0A7AA36}"/>
               </a:ext>
             </a:extLst>
           </p:cNvPr>
@@ -4671,7 +4671,7 @@
           <p:cNvPr id="10" name="TextBox 9">
             <a:extLst>
               <a:ext uri="{FF2B5EF4-FFF2-40B4-BE49-F238E27FC236}">
-                <a16:creationId xmlns:a16="http://schemas.microsoft.com/office/drawing/2014/main" id="{4114D606-5286-F3C3-160C-D1EA2E353048}"/>
+                <a16:creationId xmlns:a16="http://schemas.microsoft.com/office/drawing/2014/main" id="{2CFD5D9C-3C0A-CA3C-D428-F167631A857C}"/>
               </a:ext>
             </a:extLst>
           </p:cNvPr>
@@ -4706,7 +4706,7 @@
           <p:cNvPr id="11" name="Rectangle 10">
             <a:extLst>
               <a:ext uri="{FF2B5EF4-FFF2-40B4-BE49-F238E27FC236}">
-                <a16:creationId xmlns:a16="http://schemas.microsoft.com/office/drawing/2014/main" id="{A243F835-7EDB-99E1-D1E8-FE22FC917CD5}"/>
+                <a16:creationId xmlns:a16="http://schemas.microsoft.com/office/drawing/2014/main" id="{6441CD0B-54BD-D3F9-778A-C4D2B2ACA8C3}"/>
               </a:ext>
             </a:extLst>
           </p:cNvPr>
@@ -4755,7 +4755,7 @@
           <p:cNvPr id="12" name="TextBox 11">
             <a:extLst>
               <a:ext uri="{FF2B5EF4-FFF2-40B4-BE49-F238E27FC236}">
-                <a16:creationId xmlns:a16="http://schemas.microsoft.com/office/drawing/2014/main" id="{61357527-E29B-4EE2-6C30-5287A2E9A7E8}"/>
+                <a16:creationId xmlns:a16="http://schemas.microsoft.com/office/drawing/2014/main" id="{FC6D9EB7-CFAC-379B-FBC9-8A698DDE25FA}"/>
               </a:ext>
             </a:extLst>
           </p:cNvPr>
@@ -4790,7 +4790,7 @@
           <p:cNvPr id="13" name="Rectangle 12">
             <a:extLst>
               <a:ext uri="{FF2B5EF4-FFF2-40B4-BE49-F238E27FC236}">
-                <a16:creationId xmlns:a16="http://schemas.microsoft.com/office/drawing/2014/main" id="{2016B39F-905C-80E2-9E38-362C739F2915}"/>
+                <a16:creationId xmlns:a16="http://schemas.microsoft.com/office/drawing/2014/main" id="{1BAE5A36-F963-8BDF-1A9E-64969B3C743E}"/>
               </a:ext>
             </a:extLst>
           </p:cNvPr>
@@ -4839,7 +4839,7 @@
           <p:cNvPr id="14" name="TextBox 13">
             <a:extLst>
               <a:ext uri="{FF2B5EF4-FFF2-40B4-BE49-F238E27FC236}">
-                <a16:creationId xmlns:a16="http://schemas.microsoft.com/office/drawing/2014/main" id="{587FE652-A112-50AA-70C7-75E7AA09AA6A}"/>
+                <a16:creationId xmlns:a16="http://schemas.microsoft.com/office/drawing/2014/main" id="{0BE28477-97F2-A588-5CEF-340DB59EE2CD}"/>
               </a:ext>
             </a:extLst>
           </p:cNvPr>
@@ -4874,7 +4874,7 @@
           <p:cNvPr id="15" name="Rectangle 14">
             <a:extLst>
               <a:ext uri="{FF2B5EF4-FFF2-40B4-BE49-F238E27FC236}">
-                <a16:creationId xmlns:a16="http://schemas.microsoft.com/office/drawing/2014/main" id="{747B229C-68F4-A7D3-2D66-71EDE4F27321}"/>
+                <a16:creationId xmlns:a16="http://schemas.microsoft.com/office/drawing/2014/main" id="{B6CDB907-008A-FB4B-A9F8-2DBEE3BFE153}"/>
               </a:ext>
             </a:extLst>
           </p:cNvPr>
@@ -4923,7 +4923,7 @@
           <p:cNvPr id="16" name="TextBox 15">
             <a:extLst>
               <a:ext uri="{FF2B5EF4-FFF2-40B4-BE49-F238E27FC236}">
-                <a16:creationId xmlns:a16="http://schemas.microsoft.com/office/drawing/2014/main" id="{7FF102F9-85FB-CFB1-A07D-3C32E1DADB5A}"/>
+                <a16:creationId xmlns:a16="http://schemas.microsoft.com/office/drawing/2014/main" id="{45F0147C-E872-7702-81C9-565007E98504}"/>
               </a:ext>
             </a:extLst>
           </p:cNvPr>
@@ -4958,7 +4958,7 @@
           <p:cNvPr id="17" name="Rectangle 16">
             <a:extLst>
               <a:ext uri="{FF2B5EF4-FFF2-40B4-BE49-F238E27FC236}">
-                <a16:creationId xmlns:a16="http://schemas.microsoft.com/office/drawing/2014/main" id="{5242EC5C-1608-D60D-6C06-2FF3B12F2E54}"/>
+                <a16:creationId xmlns:a16="http://schemas.microsoft.com/office/drawing/2014/main" id="{B1D164FC-7142-5D35-D1E7-1F3A8A6F21AE}"/>
               </a:ext>
             </a:extLst>
           </p:cNvPr>
@@ -5007,7 +5007,7 @@
           <p:cNvPr id="18" name="TextBox 17">
             <a:extLst>
               <a:ext uri="{FF2B5EF4-FFF2-40B4-BE49-F238E27FC236}">
-                <a16:creationId xmlns:a16="http://schemas.microsoft.com/office/drawing/2014/main" id="{FC87464E-A011-7C68-9684-EFA0DE19C3A0}"/>
+                <a16:creationId xmlns:a16="http://schemas.microsoft.com/office/drawing/2014/main" id="{90365385-6017-E6DD-BEFC-21F612AD345E}"/>
               </a:ext>
             </a:extLst>
           </p:cNvPr>
@@ -5042,7 +5042,7 @@
           <p:cNvPr id="19" name="TextBox 18">
             <a:extLst>
               <a:ext uri="{FF2B5EF4-FFF2-40B4-BE49-F238E27FC236}">
-                <a16:creationId xmlns:a16="http://schemas.microsoft.com/office/drawing/2014/main" id="{F73C61DB-5369-1735-DFFF-8AD4FC2687C1}"/>
+                <a16:creationId xmlns:a16="http://schemas.microsoft.com/office/drawing/2014/main" id="{5C560790-EF92-2D9D-511C-4AFF505BC837}"/>
               </a:ext>
             </a:extLst>
           </p:cNvPr>
@@ -5077,7 +5077,7 @@
           <p:cNvPr id="20" name="TextBox 19">
             <a:extLst>
               <a:ext uri="{FF2B5EF4-FFF2-40B4-BE49-F238E27FC236}">
-                <a16:creationId xmlns:a16="http://schemas.microsoft.com/office/drawing/2014/main" id="{DA2B992D-95E7-A70A-4AF1-2378D0AEB93D}"/>
+                <a16:creationId xmlns:a16="http://schemas.microsoft.com/office/drawing/2014/main" id="{E310DE9E-C7C9-FC63-9751-0BD96F831443}"/>
               </a:ext>
             </a:extLst>
           </p:cNvPr>
@@ -5112,7 +5112,7 @@
           <p:cNvPr id="21" name="TextBox 20">
             <a:extLst>
               <a:ext uri="{FF2B5EF4-FFF2-40B4-BE49-F238E27FC236}">
-                <a16:creationId xmlns:a16="http://schemas.microsoft.com/office/drawing/2014/main" id="{E21CD580-15CF-B9CF-1820-20B621BB1803}"/>
+                <a16:creationId xmlns:a16="http://schemas.microsoft.com/office/drawing/2014/main" id="{2754D335-7BD6-86A2-3036-106C6BD11748}"/>
               </a:ext>
             </a:extLst>
           </p:cNvPr>
@@ -5147,7 +5147,7 @@
           <p:cNvPr id="22" name="TextBox 21">
             <a:extLst>
               <a:ext uri="{FF2B5EF4-FFF2-40B4-BE49-F238E27FC236}">
-                <a16:creationId xmlns:a16="http://schemas.microsoft.com/office/drawing/2014/main" id="{C2C08AAA-2973-E281-E03F-418C4DE63AFA}"/>
+                <a16:creationId xmlns:a16="http://schemas.microsoft.com/office/drawing/2014/main" id="{D29DA751-811A-9FE7-64CB-D71DA55BEF5F}"/>
               </a:ext>
             </a:extLst>
           </p:cNvPr>
@@ -5182,7 +5182,7 @@
           <p:cNvPr id="23" name="TextBox 22">
             <a:extLst>
               <a:ext uri="{FF2B5EF4-FFF2-40B4-BE49-F238E27FC236}">
-                <a16:creationId xmlns:a16="http://schemas.microsoft.com/office/drawing/2014/main" id="{00E35EB2-9252-D426-102F-956065E8E31B}"/>
+                <a16:creationId xmlns:a16="http://schemas.microsoft.com/office/drawing/2014/main" id="{FE63E4EB-E6A3-3D38-E0BB-1A9F43785EEA}"/>
               </a:ext>
             </a:extLst>
           </p:cNvPr>
@@ -5217,7 +5217,7 @@
           <p:cNvPr id="24" name="TextBox 23">
             <a:extLst>
               <a:ext uri="{FF2B5EF4-FFF2-40B4-BE49-F238E27FC236}">
-                <a16:creationId xmlns:a16="http://schemas.microsoft.com/office/drawing/2014/main" id="{77A4DF50-446E-2178-A2AA-68B9F7027E57}"/>
+                <a16:creationId xmlns:a16="http://schemas.microsoft.com/office/drawing/2014/main" id="{E5D96C29-A024-4C50-5E5D-0BFA14EEA50E}"/>
               </a:ext>
             </a:extLst>
           </p:cNvPr>
@@ -5252,7 +5252,7 @@
           <p:cNvPr id="25" name="TextBox 24">
             <a:extLst>
               <a:ext uri="{FF2B5EF4-FFF2-40B4-BE49-F238E27FC236}">
-                <a16:creationId xmlns:a16="http://schemas.microsoft.com/office/drawing/2014/main" id="{CA836971-6F03-95B9-CB07-5C517B8C5B29}"/>
+                <a16:creationId xmlns:a16="http://schemas.microsoft.com/office/drawing/2014/main" id="{78AD9F96-2AAA-0DEB-205B-55053F237AAA}"/>
               </a:ext>
             </a:extLst>
           </p:cNvPr>
@@ -5287,7 +5287,7 @@
           <p:cNvPr id="26" name="TextBox 25">
             <a:extLst>
               <a:ext uri="{FF2B5EF4-FFF2-40B4-BE49-F238E27FC236}">
-                <a16:creationId xmlns:a16="http://schemas.microsoft.com/office/drawing/2014/main" id="{E543B04C-46B9-B53D-B184-4DD8609A4FC2}"/>
+                <a16:creationId xmlns:a16="http://schemas.microsoft.com/office/drawing/2014/main" id="{9C475A6D-B3B0-7470-0087-9A422F75DE12}"/>
               </a:ext>
             </a:extLst>
           </p:cNvPr>
@@ -5326,7 +5326,7 @@
           <p:cNvPr id="27" name="Rectangle 26">
             <a:extLst>
               <a:ext uri="{FF2B5EF4-FFF2-40B4-BE49-F238E27FC236}">
-                <a16:creationId xmlns:a16="http://schemas.microsoft.com/office/drawing/2014/main" id="{3F25D397-202A-7C7B-9FD9-5A2F2FF2228F}"/>
+                <a16:creationId xmlns:a16="http://schemas.microsoft.com/office/drawing/2014/main" id="{CEEA50D9-8F1E-7A60-FC6F-9FBC22E898D7}"/>
               </a:ext>
             </a:extLst>
           </p:cNvPr>
@@ -5375,7 +5375,7 @@
           <p:cNvPr id="28" name="TextBox 27">
             <a:extLst>
               <a:ext uri="{FF2B5EF4-FFF2-40B4-BE49-F238E27FC236}">
-                <a16:creationId xmlns:a16="http://schemas.microsoft.com/office/drawing/2014/main" id="{58B6AA72-489A-76F9-3AF2-2934A24C41DA}"/>
+                <a16:creationId xmlns:a16="http://schemas.microsoft.com/office/drawing/2014/main" id="{A9D0D293-4955-D7E9-A1F3-250676DF04E6}"/>
               </a:ext>
             </a:extLst>
           </p:cNvPr>
@@ -5410,7 +5410,7 @@
           <p:cNvPr id="29" name="TextBox 28">
             <a:extLst>
               <a:ext uri="{FF2B5EF4-FFF2-40B4-BE49-F238E27FC236}">
-                <a16:creationId xmlns:a16="http://schemas.microsoft.com/office/drawing/2014/main" id="{D78D0D9E-47DD-93E0-2F31-3D2944CA009B}"/>
+                <a16:creationId xmlns:a16="http://schemas.microsoft.com/office/drawing/2014/main" id="{7B8F65C8-57AA-DCC5-B4F3-45120187923F}"/>
               </a:ext>
             </a:extLst>
           </p:cNvPr>
@@ -5444,7 +5444,7 @@
     </p:spTree>
     <p:extLst>
       <p:ext uri="{BB962C8B-B14F-4D97-AF65-F5344CB8AC3E}">
-        <p14:creationId xmlns:p14="http://schemas.microsoft.com/office/powerpoint/2010/main" val="1778589113"/>
+        <p14:creationId xmlns:p14="http://schemas.microsoft.com/office/powerpoint/2010/main" val="1653759836"/>
       </p:ext>
     </p:extLst>
   </p:cSld>
@@ -5476,7 +5476,7 @@
           <p:cNvPr id="2" name="Title 1">
             <a:extLst>
               <a:ext uri="{FF2B5EF4-FFF2-40B4-BE49-F238E27FC236}">
-                <a16:creationId xmlns:a16="http://schemas.microsoft.com/office/drawing/2014/main" id="{C25BACA8-418A-9BE5-6997-496471B9C677}"/>
+                <a16:creationId xmlns:a16="http://schemas.microsoft.com/office/drawing/2014/main" id="{5F84C1B6-43F8-4746-7341-26D4F9D4E4DD}"/>
               </a:ext>
             </a:extLst>
           </p:cNvPr>
@@ -5504,7 +5504,7 @@
           <p:cNvPr id="3" name="SmartArt Placeholder 2">
             <a:extLst>
               <a:ext uri="{FF2B5EF4-FFF2-40B4-BE49-F238E27FC236}">
-                <a16:creationId xmlns:a16="http://schemas.microsoft.com/office/drawing/2014/main" id="{B3A37AC1-3A8C-1884-000F-1194C9AC033D}"/>
+                <a16:creationId xmlns:a16="http://schemas.microsoft.com/office/drawing/2014/main" id="{B4C1DB6F-C984-1A7B-A38C-B498A3CFB9EE}"/>
               </a:ext>
             </a:extLst>
           </p:cNvPr>
@@ -5522,7 +5522,7 @@
           <p:cNvPr id="4" name="TextBox 3">
             <a:extLst>
               <a:ext uri="{FF2B5EF4-FFF2-40B4-BE49-F238E27FC236}">
-                <a16:creationId xmlns:a16="http://schemas.microsoft.com/office/drawing/2014/main" id="{FC10A534-834D-EBE5-DBF2-3FCB018785B3}"/>
+                <a16:creationId xmlns:a16="http://schemas.microsoft.com/office/drawing/2014/main" id="{8AD2A244-06AB-737C-5283-B22531F4AC7D}"/>
               </a:ext>
             </a:extLst>
           </p:cNvPr>
@@ -5557,7 +5557,7 @@
           <p:cNvPr id="5" name="Rectangle 4">
             <a:extLst>
               <a:ext uri="{FF2B5EF4-FFF2-40B4-BE49-F238E27FC236}">
-                <a16:creationId xmlns:a16="http://schemas.microsoft.com/office/drawing/2014/main" id="{B2920A00-E21C-647F-1446-066E1752659F}"/>
+                <a16:creationId xmlns:a16="http://schemas.microsoft.com/office/drawing/2014/main" id="{64C45267-BB3A-9077-782E-85EF40B2DB6E}"/>
               </a:ext>
             </a:extLst>
           </p:cNvPr>
@@ -5606,7 +5606,7 @@
           <p:cNvPr id="6" name="TextBox 5">
             <a:extLst>
               <a:ext uri="{FF2B5EF4-FFF2-40B4-BE49-F238E27FC236}">
-                <a16:creationId xmlns:a16="http://schemas.microsoft.com/office/drawing/2014/main" id="{A707B043-E64B-BF06-2C58-47D6EE2DD837}"/>
+                <a16:creationId xmlns:a16="http://schemas.microsoft.com/office/drawing/2014/main" id="{C193F473-CDF1-A090-93D7-07A62F476F37}"/>
               </a:ext>
             </a:extLst>
           </p:cNvPr>
@@ -5641,7 +5641,7 @@
           <p:cNvPr id="7" name="TextBox 6">
             <a:extLst>
               <a:ext uri="{FF2B5EF4-FFF2-40B4-BE49-F238E27FC236}">
-                <a16:creationId xmlns:a16="http://schemas.microsoft.com/office/drawing/2014/main" id="{2DD8CA8E-2D4D-E559-7F5F-0AEEC15D9A9A}"/>
+                <a16:creationId xmlns:a16="http://schemas.microsoft.com/office/drawing/2014/main" id="{FEE76DDF-01E2-DA93-C6F0-B415D54B24F6}"/>
               </a:ext>
             </a:extLst>
           </p:cNvPr>
@@ -5676,7 +5676,7 @@
           <p:cNvPr id="8" name="TextBox 7">
             <a:extLst>
               <a:ext uri="{FF2B5EF4-FFF2-40B4-BE49-F238E27FC236}">
-                <a16:creationId xmlns:a16="http://schemas.microsoft.com/office/drawing/2014/main" id="{C45F368A-2463-1352-30E9-2BE8A8A6242D}"/>
+                <a16:creationId xmlns:a16="http://schemas.microsoft.com/office/drawing/2014/main" id="{CC337A01-1449-8D30-6EE7-53FDD7D1554E}"/>
               </a:ext>
             </a:extLst>
           </p:cNvPr>
@@ -5711,7 +5711,7 @@
           <p:cNvPr id="9" name="Rectangle 8">
             <a:extLst>
               <a:ext uri="{FF2B5EF4-FFF2-40B4-BE49-F238E27FC236}">
-                <a16:creationId xmlns:a16="http://schemas.microsoft.com/office/drawing/2014/main" id="{AE9054BF-BF31-8231-5D87-BB9CB742380B}"/>
+                <a16:creationId xmlns:a16="http://schemas.microsoft.com/office/drawing/2014/main" id="{802EC7DE-0917-3229-A68E-28742F33E292}"/>
               </a:ext>
             </a:extLst>
           </p:cNvPr>
@@ -5760,7 +5760,7 @@
           <p:cNvPr id="10" name="TextBox 9">
             <a:extLst>
               <a:ext uri="{FF2B5EF4-FFF2-40B4-BE49-F238E27FC236}">
-                <a16:creationId xmlns:a16="http://schemas.microsoft.com/office/drawing/2014/main" id="{76E87997-FF53-28DA-4413-17FDEEBCE17E}"/>
+                <a16:creationId xmlns:a16="http://schemas.microsoft.com/office/drawing/2014/main" id="{48BAAF93-D210-3DDE-130C-895178A62696}"/>
               </a:ext>
             </a:extLst>
           </p:cNvPr>
@@ -5795,7 +5795,7 @@
           <p:cNvPr id="11" name="Rectangle 10">
             <a:extLst>
               <a:ext uri="{FF2B5EF4-FFF2-40B4-BE49-F238E27FC236}">
-                <a16:creationId xmlns:a16="http://schemas.microsoft.com/office/drawing/2014/main" id="{98529EC3-AE45-2916-7061-46B261BB8484}"/>
+                <a16:creationId xmlns:a16="http://schemas.microsoft.com/office/drawing/2014/main" id="{C6EABC6F-48D6-A2AE-0B0F-988F2A77DB9F}"/>
               </a:ext>
             </a:extLst>
           </p:cNvPr>
@@ -5844,7 +5844,7 @@
           <p:cNvPr id="12" name="TextBox 11">
             <a:extLst>
               <a:ext uri="{FF2B5EF4-FFF2-40B4-BE49-F238E27FC236}">
-                <a16:creationId xmlns:a16="http://schemas.microsoft.com/office/drawing/2014/main" id="{12CF907D-DBCA-41B1-F894-B87A11D5CF55}"/>
+                <a16:creationId xmlns:a16="http://schemas.microsoft.com/office/drawing/2014/main" id="{2B770131-EF85-021F-4D1E-F285C4971086}"/>
               </a:ext>
             </a:extLst>
           </p:cNvPr>
@@ -5879,7 +5879,7 @@
           <p:cNvPr id="13" name="Rectangle 12">
             <a:extLst>
               <a:ext uri="{FF2B5EF4-FFF2-40B4-BE49-F238E27FC236}">
-                <a16:creationId xmlns:a16="http://schemas.microsoft.com/office/drawing/2014/main" id="{35E83876-04ED-F493-B9D4-0E83F13B1D2F}"/>
+                <a16:creationId xmlns:a16="http://schemas.microsoft.com/office/drawing/2014/main" id="{D941E03B-7E8C-C5AD-6FA3-5CC9D8658A0A}"/>
               </a:ext>
             </a:extLst>
           </p:cNvPr>
@@ -5928,7 +5928,7 @@
           <p:cNvPr id="14" name="TextBox 13">
             <a:extLst>
               <a:ext uri="{FF2B5EF4-FFF2-40B4-BE49-F238E27FC236}">
-                <a16:creationId xmlns:a16="http://schemas.microsoft.com/office/drawing/2014/main" id="{94C29B52-0F53-4803-1EBC-EAE7CAC31609}"/>
+                <a16:creationId xmlns:a16="http://schemas.microsoft.com/office/drawing/2014/main" id="{BA88F4D7-AB99-DF19-2908-7AAB9CC33E3D}"/>
               </a:ext>
             </a:extLst>
           </p:cNvPr>
@@ -5963,7 +5963,7 @@
           <p:cNvPr id="15" name="Rectangle 14">
             <a:extLst>
               <a:ext uri="{FF2B5EF4-FFF2-40B4-BE49-F238E27FC236}">
-                <a16:creationId xmlns:a16="http://schemas.microsoft.com/office/drawing/2014/main" id="{DE400DFB-5112-E946-24B7-B969EE551BEF}"/>
+                <a16:creationId xmlns:a16="http://schemas.microsoft.com/office/drawing/2014/main" id="{10BA5B58-D673-C284-4F35-F41C2C627094}"/>
               </a:ext>
             </a:extLst>
           </p:cNvPr>
@@ -6012,7 +6012,7 @@
           <p:cNvPr id="16" name="TextBox 15">
             <a:extLst>
               <a:ext uri="{FF2B5EF4-FFF2-40B4-BE49-F238E27FC236}">
-                <a16:creationId xmlns:a16="http://schemas.microsoft.com/office/drawing/2014/main" id="{04CF72F0-D386-D862-EE18-8A99E6229E8C}"/>
+                <a16:creationId xmlns:a16="http://schemas.microsoft.com/office/drawing/2014/main" id="{C7D1FA17-9D41-CAF0-1FF4-9DC08D2E220E}"/>
               </a:ext>
             </a:extLst>
           </p:cNvPr>
@@ -6047,7 +6047,7 @@
           <p:cNvPr id="17" name="Rectangle 16">
             <a:extLst>
               <a:ext uri="{FF2B5EF4-FFF2-40B4-BE49-F238E27FC236}">
-                <a16:creationId xmlns:a16="http://schemas.microsoft.com/office/drawing/2014/main" id="{1EEB5820-EE35-9193-5FCE-33C781C24DB6}"/>
+                <a16:creationId xmlns:a16="http://schemas.microsoft.com/office/drawing/2014/main" id="{8C5FED8B-6C2B-1355-730E-7F2606A5D3B7}"/>
               </a:ext>
             </a:extLst>
           </p:cNvPr>
@@ -6096,7 +6096,7 @@
           <p:cNvPr id="18" name="TextBox 17">
             <a:extLst>
               <a:ext uri="{FF2B5EF4-FFF2-40B4-BE49-F238E27FC236}">
-                <a16:creationId xmlns:a16="http://schemas.microsoft.com/office/drawing/2014/main" id="{34A4FF33-EBE8-122F-8442-430D4BBC4303}"/>
+                <a16:creationId xmlns:a16="http://schemas.microsoft.com/office/drawing/2014/main" id="{C678509F-DB1A-F101-9604-22A3D53DC3E9}"/>
               </a:ext>
             </a:extLst>
           </p:cNvPr>
@@ -6131,7 +6131,7 @@
           <p:cNvPr id="19" name="Rectangle 18">
             <a:extLst>
               <a:ext uri="{FF2B5EF4-FFF2-40B4-BE49-F238E27FC236}">
-                <a16:creationId xmlns:a16="http://schemas.microsoft.com/office/drawing/2014/main" id="{AB16FA9F-88FE-921C-D2A6-066863F43440}"/>
+                <a16:creationId xmlns:a16="http://schemas.microsoft.com/office/drawing/2014/main" id="{44219DF2-DFE6-322D-0887-778020BD5C7B}"/>
               </a:ext>
             </a:extLst>
           </p:cNvPr>
@@ -6180,7 +6180,7 @@
           <p:cNvPr id="20" name="TextBox 19">
             <a:extLst>
               <a:ext uri="{FF2B5EF4-FFF2-40B4-BE49-F238E27FC236}">
-                <a16:creationId xmlns:a16="http://schemas.microsoft.com/office/drawing/2014/main" id="{93DC6381-E7E2-03A3-3460-0AB1F0D97592}"/>
+                <a16:creationId xmlns:a16="http://schemas.microsoft.com/office/drawing/2014/main" id="{89C2906C-D0BF-6115-8429-6F9C1F69CE19}"/>
               </a:ext>
             </a:extLst>
           </p:cNvPr>
@@ -6215,7 +6215,7 @@
           <p:cNvPr id="21" name="Rectangle 20">
             <a:extLst>
               <a:ext uri="{FF2B5EF4-FFF2-40B4-BE49-F238E27FC236}">
-                <a16:creationId xmlns:a16="http://schemas.microsoft.com/office/drawing/2014/main" id="{C5B2E7DF-6504-BC63-0D47-B07DBFB3EBC4}"/>
+                <a16:creationId xmlns:a16="http://schemas.microsoft.com/office/drawing/2014/main" id="{61585E0C-D766-FC81-636D-4928024BEAF0}"/>
               </a:ext>
             </a:extLst>
           </p:cNvPr>
@@ -6264,7 +6264,7 @@
           <p:cNvPr id="22" name="TextBox 21">
             <a:extLst>
               <a:ext uri="{FF2B5EF4-FFF2-40B4-BE49-F238E27FC236}">
-                <a16:creationId xmlns:a16="http://schemas.microsoft.com/office/drawing/2014/main" id="{CAEB6E4E-0770-E79E-4049-BC5D4C5F4D89}"/>
+                <a16:creationId xmlns:a16="http://schemas.microsoft.com/office/drawing/2014/main" id="{34957D49-43AA-691B-622A-8EF88A524938}"/>
               </a:ext>
             </a:extLst>
           </p:cNvPr>
@@ -6299,7 +6299,7 @@
           <p:cNvPr id="23" name="Rectangle 22">
             <a:extLst>
               <a:ext uri="{FF2B5EF4-FFF2-40B4-BE49-F238E27FC236}">
-                <a16:creationId xmlns:a16="http://schemas.microsoft.com/office/drawing/2014/main" id="{D52DE7D4-3F1D-7B0E-CC85-A915181802DD}"/>
+                <a16:creationId xmlns:a16="http://schemas.microsoft.com/office/drawing/2014/main" id="{EB3DAE58-E85D-0CAD-A92A-06B689ABAEEC}"/>
               </a:ext>
             </a:extLst>
           </p:cNvPr>
@@ -6348,7 +6348,7 @@
           <p:cNvPr id="24" name="TextBox 23">
             <a:extLst>
               <a:ext uri="{FF2B5EF4-FFF2-40B4-BE49-F238E27FC236}">
-                <a16:creationId xmlns:a16="http://schemas.microsoft.com/office/drawing/2014/main" id="{39B31909-7D77-B67D-29A5-5243D529DB85}"/>
+                <a16:creationId xmlns:a16="http://schemas.microsoft.com/office/drawing/2014/main" id="{34B0D3B9-02C2-DDEB-BCCA-67D791AB421E}"/>
               </a:ext>
             </a:extLst>
           </p:cNvPr>
@@ -6383,7 +6383,7 @@
           <p:cNvPr id="25" name="Rectangle 24">
             <a:extLst>
               <a:ext uri="{FF2B5EF4-FFF2-40B4-BE49-F238E27FC236}">
-                <a16:creationId xmlns:a16="http://schemas.microsoft.com/office/drawing/2014/main" id="{BC62E040-9ED5-65F8-E76A-651BF396F7F3}"/>
+                <a16:creationId xmlns:a16="http://schemas.microsoft.com/office/drawing/2014/main" id="{F95658BD-EDCC-1A09-2A43-A6B62AC6783F}"/>
               </a:ext>
             </a:extLst>
           </p:cNvPr>
@@ -6432,7 +6432,7 @@
           <p:cNvPr id="26" name="TextBox 25">
             <a:extLst>
               <a:ext uri="{FF2B5EF4-FFF2-40B4-BE49-F238E27FC236}">
-                <a16:creationId xmlns:a16="http://schemas.microsoft.com/office/drawing/2014/main" id="{A34E20BF-51FE-9927-B64E-DD0497526EC0}"/>
+                <a16:creationId xmlns:a16="http://schemas.microsoft.com/office/drawing/2014/main" id="{86D94206-F155-DA36-CEA6-ADBD3858B336}"/>
               </a:ext>
             </a:extLst>
           </p:cNvPr>
@@ -6467,7 +6467,7 @@
           <p:cNvPr id="27" name="Rectangle 26">
             <a:extLst>
               <a:ext uri="{FF2B5EF4-FFF2-40B4-BE49-F238E27FC236}">
-                <a16:creationId xmlns:a16="http://schemas.microsoft.com/office/drawing/2014/main" id="{080E7353-B893-A2A7-365C-76D1ECCCDC4E}"/>
+                <a16:creationId xmlns:a16="http://schemas.microsoft.com/office/drawing/2014/main" id="{5B1EC69E-EC14-CC2C-989F-AD89E16B99CF}"/>
               </a:ext>
             </a:extLst>
           </p:cNvPr>
@@ -6516,7 +6516,7 @@
           <p:cNvPr id="28" name="TextBox 27">
             <a:extLst>
               <a:ext uri="{FF2B5EF4-FFF2-40B4-BE49-F238E27FC236}">
-                <a16:creationId xmlns:a16="http://schemas.microsoft.com/office/drawing/2014/main" id="{D7754DEC-338C-1BAA-F7F3-0BC780703264}"/>
+                <a16:creationId xmlns:a16="http://schemas.microsoft.com/office/drawing/2014/main" id="{E7F66BFA-9398-49D5-7FB9-60C3B0DEF1B0}"/>
               </a:ext>
             </a:extLst>
           </p:cNvPr>
@@ -6551,7 +6551,7 @@
           <p:cNvPr id="29" name="Rectangle 28">
             <a:extLst>
               <a:ext uri="{FF2B5EF4-FFF2-40B4-BE49-F238E27FC236}">
-                <a16:creationId xmlns:a16="http://schemas.microsoft.com/office/drawing/2014/main" id="{CBF190B2-CEAE-E408-2E93-190C7455F45B}"/>
+                <a16:creationId xmlns:a16="http://schemas.microsoft.com/office/drawing/2014/main" id="{540D99E9-CCEF-D179-5267-D448CE8B5CEC}"/>
               </a:ext>
             </a:extLst>
           </p:cNvPr>
@@ -6600,7 +6600,7 @@
           <p:cNvPr id="30" name="TextBox 29">
             <a:extLst>
               <a:ext uri="{FF2B5EF4-FFF2-40B4-BE49-F238E27FC236}">
-                <a16:creationId xmlns:a16="http://schemas.microsoft.com/office/drawing/2014/main" id="{904A4A45-AA57-ABD8-C3AE-7EA74AB1A3A1}"/>
+                <a16:creationId xmlns:a16="http://schemas.microsoft.com/office/drawing/2014/main" id="{E39F518C-784A-BACB-1EF8-FFBF356092FA}"/>
               </a:ext>
             </a:extLst>
           </p:cNvPr>
@@ -6635,7 +6635,7 @@
           <p:cNvPr id="31" name="Rectangle 30">
             <a:extLst>
               <a:ext uri="{FF2B5EF4-FFF2-40B4-BE49-F238E27FC236}">
-                <a16:creationId xmlns:a16="http://schemas.microsoft.com/office/drawing/2014/main" id="{89BBF4BC-9108-7145-9EA8-0B22BB79D48B}"/>
+                <a16:creationId xmlns:a16="http://schemas.microsoft.com/office/drawing/2014/main" id="{2BBD5007-D1A6-B049-0ED6-94DB05D7DE9B}"/>
               </a:ext>
             </a:extLst>
           </p:cNvPr>
@@ -6684,7 +6684,7 @@
           <p:cNvPr id="32" name="TextBox 31">
             <a:extLst>
               <a:ext uri="{FF2B5EF4-FFF2-40B4-BE49-F238E27FC236}">
-                <a16:creationId xmlns:a16="http://schemas.microsoft.com/office/drawing/2014/main" id="{F5C4E812-A03F-DC8B-2E43-35F7BFA406E9}"/>
+                <a16:creationId xmlns:a16="http://schemas.microsoft.com/office/drawing/2014/main" id="{8CE43D03-0C3A-72A4-809E-4F09A408223A}"/>
               </a:ext>
             </a:extLst>
           </p:cNvPr>
@@ -6719,7 +6719,7 @@
           <p:cNvPr id="33" name="Rectangle 32">
             <a:extLst>
               <a:ext uri="{FF2B5EF4-FFF2-40B4-BE49-F238E27FC236}">
-                <a16:creationId xmlns:a16="http://schemas.microsoft.com/office/drawing/2014/main" id="{0D857178-CB56-02A9-EF5A-C8177136DD4E}"/>
+                <a16:creationId xmlns:a16="http://schemas.microsoft.com/office/drawing/2014/main" id="{5519CF10-C32C-B0C4-0456-572BF2BBC06E}"/>
               </a:ext>
             </a:extLst>
           </p:cNvPr>
@@ -6768,7 +6768,7 @@
           <p:cNvPr id="34" name="TextBox 33">
             <a:extLst>
               <a:ext uri="{FF2B5EF4-FFF2-40B4-BE49-F238E27FC236}">
-                <a16:creationId xmlns:a16="http://schemas.microsoft.com/office/drawing/2014/main" id="{D3A8B405-1D67-1566-7609-83F1906989B8}"/>
+                <a16:creationId xmlns:a16="http://schemas.microsoft.com/office/drawing/2014/main" id="{E7368958-7F11-5BC2-A5A6-2894F9CFA9EF}"/>
               </a:ext>
             </a:extLst>
           </p:cNvPr>
@@ -6803,7 +6803,7 @@
           <p:cNvPr id="35" name="Rectangle 34">
             <a:extLst>
               <a:ext uri="{FF2B5EF4-FFF2-40B4-BE49-F238E27FC236}">
-                <a16:creationId xmlns:a16="http://schemas.microsoft.com/office/drawing/2014/main" id="{C26392CC-0C18-0912-4AA1-CB4DDB8D5431}"/>
+                <a16:creationId xmlns:a16="http://schemas.microsoft.com/office/drawing/2014/main" id="{A91E481A-46C5-1DA6-4A65-7EB5710FFEB5}"/>
               </a:ext>
             </a:extLst>
           </p:cNvPr>
@@ -6852,7 +6852,7 @@
           <p:cNvPr id="36" name="TextBox 35">
             <a:extLst>
               <a:ext uri="{FF2B5EF4-FFF2-40B4-BE49-F238E27FC236}">
-                <a16:creationId xmlns:a16="http://schemas.microsoft.com/office/drawing/2014/main" id="{3B621995-8B18-1E57-6EC1-29B5D088DAEC}"/>
+                <a16:creationId xmlns:a16="http://schemas.microsoft.com/office/drawing/2014/main" id="{B08470AF-3E4D-1642-4BA1-7C1D5EBEE001}"/>
               </a:ext>
             </a:extLst>
           </p:cNvPr>
@@ -6887,7 +6887,7 @@
           <p:cNvPr id="37" name="Rectangle 36">
             <a:extLst>
               <a:ext uri="{FF2B5EF4-FFF2-40B4-BE49-F238E27FC236}">
-                <a16:creationId xmlns:a16="http://schemas.microsoft.com/office/drawing/2014/main" id="{64A1B7BF-A2D4-9316-D84E-E0D8F1587063}"/>
+                <a16:creationId xmlns:a16="http://schemas.microsoft.com/office/drawing/2014/main" id="{86DD9FF8-9F95-62CE-52E0-6C51D5A145C3}"/>
               </a:ext>
             </a:extLst>
           </p:cNvPr>
@@ -6936,7 +6936,7 @@
           <p:cNvPr id="38" name="TextBox 37">
             <a:extLst>
               <a:ext uri="{FF2B5EF4-FFF2-40B4-BE49-F238E27FC236}">
-                <a16:creationId xmlns:a16="http://schemas.microsoft.com/office/drawing/2014/main" id="{7381ED51-44E8-7B09-9609-32C7E011CF52}"/>
+                <a16:creationId xmlns:a16="http://schemas.microsoft.com/office/drawing/2014/main" id="{1F579EFD-521E-0EE0-C99E-A5D54FD61147}"/>
               </a:ext>
             </a:extLst>
           </p:cNvPr>
@@ -6969,7 +6969,7 @@
     </p:spTree>
     <p:extLst>
       <p:ext uri="{BB962C8B-B14F-4D97-AF65-F5344CB8AC3E}">
-        <p14:creationId xmlns:p14="http://schemas.microsoft.com/office/powerpoint/2010/main" val="3663191130"/>
+        <p14:creationId xmlns:p14="http://schemas.microsoft.com/office/powerpoint/2010/main" val="1852237137"/>
       </p:ext>
     </p:extLst>
   </p:cSld>
@@ -7001,7 +7001,7 @@
           <p:cNvPr id="2" name="Title 1">
             <a:extLst>
               <a:ext uri="{FF2B5EF4-FFF2-40B4-BE49-F238E27FC236}">
-                <a16:creationId xmlns:a16="http://schemas.microsoft.com/office/drawing/2014/main" id="{1BB0F5B3-4227-B309-ECAB-A9FF409DB2FA}"/>
+                <a16:creationId xmlns:a16="http://schemas.microsoft.com/office/drawing/2014/main" id="{2857470D-76A5-9DC3-2283-5F5E749F0267}"/>
               </a:ext>
             </a:extLst>
           </p:cNvPr>
@@ -7029,7 +7029,7 @@
           <p:cNvPr id="3" name="SmartArt Placeholder 2">
             <a:extLst>
               <a:ext uri="{FF2B5EF4-FFF2-40B4-BE49-F238E27FC236}">
-                <a16:creationId xmlns:a16="http://schemas.microsoft.com/office/drawing/2014/main" id="{370F8AC2-6688-04AF-A894-B6A61069554A}"/>
+                <a16:creationId xmlns:a16="http://schemas.microsoft.com/office/drawing/2014/main" id="{B4C7C2D0-E8F5-E667-7BEF-67B14A1338CF}"/>
               </a:ext>
             </a:extLst>
           </p:cNvPr>
@@ -7047,7 +7047,7 @@
           <p:cNvPr id="4" name="TextBox 3">
             <a:extLst>
               <a:ext uri="{FF2B5EF4-FFF2-40B4-BE49-F238E27FC236}">
-                <a16:creationId xmlns:a16="http://schemas.microsoft.com/office/drawing/2014/main" id="{B67CF454-7129-06EF-DA45-61F13B230780}"/>
+                <a16:creationId xmlns:a16="http://schemas.microsoft.com/office/drawing/2014/main" id="{509EE5BA-800D-6653-FC99-4484F1A59FF3}"/>
               </a:ext>
             </a:extLst>
           </p:cNvPr>
@@ -7082,7 +7082,7 @@
           <p:cNvPr id="5" name="TextBox 4">
             <a:extLst>
               <a:ext uri="{FF2B5EF4-FFF2-40B4-BE49-F238E27FC236}">
-                <a16:creationId xmlns:a16="http://schemas.microsoft.com/office/drawing/2014/main" id="{DF244316-8ACF-C630-063F-88DB7EEBB800}"/>
+                <a16:creationId xmlns:a16="http://schemas.microsoft.com/office/drawing/2014/main" id="{02A14EF0-0F82-C14E-FA3C-4AD05E4EAF10}"/>
               </a:ext>
             </a:extLst>
           </p:cNvPr>
@@ -7118,7 +7118,7 @@
           <p:cNvPr id="6" name="Rectangle 5">
             <a:extLst>
               <a:ext uri="{FF2B5EF4-FFF2-40B4-BE49-F238E27FC236}">
-                <a16:creationId xmlns:a16="http://schemas.microsoft.com/office/drawing/2014/main" id="{3DEDDA68-207F-D54B-173B-7EAC066C192F}"/>
+                <a16:creationId xmlns:a16="http://schemas.microsoft.com/office/drawing/2014/main" id="{6E56434B-C8D4-23EF-5846-F5C1CDE8A110}"/>
               </a:ext>
             </a:extLst>
           </p:cNvPr>
@@ -7167,7 +7167,7 @@
           <p:cNvPr id="7" name="TextBox 6">
             <a:extLst>
               <a:ext uri="{FF2B5EF4-FFF2-40B4-BE49-F238E27FC236}">
-                <a16:creationId xmlns:a16="http://schemas.microsoft.com/office/drawing/2014/main" id="{618BCC86-E8F2-B347-63EF-008CCB1502E5}"/>
+                <a16:creationId xmlns:a16="http://schemas.microsoft.com/office/drawing/2014/main" id="{FA17C58E-2480-9545-C03A-3717049FB630}"/>
               </a:ext>
             </a:extLst>
           </p:cNvPr>
@@ -7202,7 +7202,7 @@
           <p:cNvPr id="8" name="TextBox 7">
             <a:extLst>
               <a:ext uri="{FF2B5EF4-FFF2-40B4-BE49-F238E27FC236}">
-                <a16:creationId xmlns:a16="http://schemas.microsoft.com/office/drawing/2014/main" id="{2DC21715-8092-7097-EC39-96F64F513D12}"/>
+                <a16:creationId xmlns:a16="http://schemas.microsoft.com/office/drawing/2014/main" id="{953D2DFA-E903-0282-56AA-14C76D8BA6CF}"/>
               </a:ext>
             </a:extLst>
           </p:cNvPr>
@@ -7241,7 +7241,7 @@
           <p:cNvPr id="9" name="Rectangle 8">
             <a:extLst>
               <a:ext uri="{FF2B5EF4-FFF2-40B4-BE49-F238E27FC236}">
-                <a16:creationId xmlns:a16="http://schemas.microsoft.com/office/drawing/2014/main" id="{8C4416B9-9551-796E-F7BD-AA8E31FB922E}"/>
+                <a16:creationId xmlns:a16="http://schemas.microsoft.com/office/drawing/2014/main" id="{51F04131-96C0-D692-2952-D403129DF3F1}"/>
               </a:ext>
             </a:extLst>
           </p:cNvPr>
@@ -7290,7 +7290,7 @@
           <p:cNvPr id="10" name="TextBox 9">
             <a:extLst>
               <a:ext uri="{FF2B5EF4-FFF2-40B4-BE49-F238E27FC236}">
-                <a16:creationId xmlns:a16="http://schemas.microsoft.com/office/drawing/2014/main" id="{30A13687-E1C6-552D-A255-C29244ECAC9E}"/>
+                <a16:creationId xmlns:a16="http://schemas.microsoft.com/office/drawing/2014/main" id="{DC71A121-81CF-39B7-93D7-2FEC76FC99B5}"/>
               </a:ext>
             </a:extLst>
           </p:cNvPr>
@@ -7325,7 +7325,7 @@
           <p:cNvPr id="11" name="TextBox 10">
             <a:extLst>
               <a:ext uri="{FF2B5EF4-FFF2-40B4-BE49-F238E27FC236}">
-                <a16:creationId xmlns:a16="http://schemas.microsoft.com/office/drawing/2014/main" id="{C6222697-DFAD-C933-F7C3-A29F227A832F}"/>
+                <a16:creationId xmlns:a16="http://schemas.microsoft.com/office/drawing/2014/main" id="{071CA874-6D31-B833-221E-0A4A5FA8C283}"/>
               </a:ext>
             </a:extLst>
           </p:cNvPr>
@@ -7364,7 +7364,7 @@
           <p:cNvPr id="12" name="TextBox 11">
             <a:extLst>
               <a:ext uri="{FF2B5EF4-FFF2-40B4-BE49-F238E27FC236}">
-                <a16:creationId xmlns:a16="http://schemas.microsoft.com/office/drawing/2014/main" id="{78D43EF7-8CB1-CCB5-FF1F-B7A5EE673BB0}"/>
+                <a16:creationId xmlns:a16="http://schemas.microsoft.com/office/drawing/2014/main" id="{94C38E1F-A67B-AFD3-7D69-CEA2FECDF563}"/>
               </a:ext>
             </a:extLst>
           </p:cNvPr>
@@ -7399,7 +7399,7 @@
           <p:cNvPr id="13" name="Rectangle 12">
             <a:extLst>
               <a:ext uri="{FF2B5EF4-FFF2-40B4-BE49-F238E27FC236}">
-                <a16:creationId xmlns:a16="http://schemas.microsoft.com/office/drawing/2014/main" id="{2A1C19A0-5C90-FD09-B2B6-DEDD6E06EA9F}"/>
+                <a16:creationId xmlns:a16="http://schemas.microsoft.com/office/drawing/2014/main" id="{8EDDC748-CB0F-5972-99AD-512A8C75B4A7}"/>
               </a:ext>
             </a:extLst>
           </p:cNvPr>
@@ -7448,7 +7448,7 @@
           <p:cNvPr id="14" name="TextBox 13">
             <a:extLst>
               <a:ext uri="{FF2B5EF4-FFF2-40B4-BE49-F238E27FC236}">
-                <a16:creationId xmlns:a16="http://schemas.microsoft.com/office/drawing/2014/main" id="{1B2B073B-D05F-A978-214A-21D0F89F8217}"/>
+                <a16:creationId xmlns:a16="http://schemas.microsoft.com/office/drawing/2014/main" id="{0B64A2AA-B4A5-B4A3-FA53-B0DF4402541A}"/>
               </a:ext>
             </a:extLst>
           </p:cNvPr>
@@ -7486,7 +7486,7 @@
           <p:cNvPr id="15" name="Rectangle 14">
             <a:extLst>
               <a:ext uri="{FF2B5EF4-FFF2-40B4-BE49-F238E27FC236}">
-                <a16:creationId xmlns:a16="http://schemas.microsoft.com/office/drawing/2014/main" id="{475177B1-769F-E5E4-3296-57F6E58ADE6E}"/>
+                <a16:creationId xmlns:a16="http://schemas.microsoft.com/office/drawing/2014/main" id="{06A2C485-0E1B-2510-51A1-C00C2ED9C6F1}"/>
               </a:ext>
             </a:extLst>
           </p:cNvPr>
@@ -7535,7 +7535,7 @@
           <p:cNvPr id="16" name="TextBox 15">
             <a:extLst>
               <a:ext uri="{FF2B5EF4-FFF2-40B4-BE49-F238E27FC236}">
-                <a16:creationId xmlns:a16="http://schemas.microsoft.com/office/drawing/2014/main" id="{31ECB9B3-2AB0-34C6-A5F4-5CFED9189056}"/>
+                <a16:creationId xmlns:a16="http://schemas.microsoft.com/office/drawing/2014/main" id="{077E1025-3552-D8A2-6FA0-CC4210EA9D96}"/>
               </a:ext>
             </a:extLst>
           </p:cNvPr>
@@ -7571,7 +7571,7 @@
     </p:spTree>
     <p:extLst>
       <p:ext uri="{BB962C8B-B14F-4D97-AF65-F5344CB8AC3E}">
-        <p14:creationId xmlns:p14="http://schemas.microsoft.com/office/powerpoint/2010/main" val="2303772"/>
+        <p14:creationId xmlns:p14="http://schemas.microsoft.com/office/powerpoint/2010/main" val="2846138150"/>
       </p:ext>
     </p:extLst>
   </p:cSld>
